--- a/Group1_Nifty500_Presentation.pptx
+++ b/Group1_Nifty500_Presentation.pptx
@@ -111,6 +111,11 @@
       </a:defRPr>
     </a:lvl9pPr>
   </p:defaultTextStyle>
+  <p:extLst>
+    <p:ext uri="{EFAFB233-063F-42B5-8137-9DF3F51BA10A}">
+      <p15:sldGuideLst xmlns:p15="http://schemas.microsoft.com/office/powerpoint/2012/main"/>
+    </p:ext>
+  </p:extLst>
 </p:presentation>
 </file>
 
@@ -6043,7 +6048,11 @@
           <a:bodyPr/>
           <a:lstStyle/>
           <a:p>
-            <a:endParaRPr lang="es-US"/>
+            <a:r>
+              <a:rPr lang="es-US" dirty="0" err="1"/>
+              <a:t>Dataset</a:t>
+            </a:r>
+            <a:endParaRPr lang="es-US" dirty="0"/>
           </a:p>
         </p:txBody>
       </p:sp>
@@ -6123,24 +6132,57 @@
           <a:bodyPr/>
           <a:lstStyle/>
           <a:p>
+            <a:r>
+              <a:rPr lang="es-US" dirty="0"/>
+              <a:t>Data </a:t>
+            </a:r>
+            <a:r>
+              <a:rPr lang="es-US" dirty="0" err="1"/>
+              <a:t>Handling</a:t>
+            </a:r>
+            <a:endParaRPr lang="es-US" dirty="0"/>
+          </a:p>
+        </p:txBody>
+      </p:sp>
+      <p:sp>
+        <p:nvSpPr>
+          <p:cNvPr id="8" name="Marcador de contenido 7">
+            <a:extLst>
+              <a:ext uri="{FF2B5EF4-FFF2-40B4-BE49-F238E27FC236}">
+                <a16:creationId xmlns:a16="http://schemas.microsoft.com/office/drawing/2014/main" id="{171FF14C-B8DF-4AD0-E210-D1C512F9E04D}"/>
+              </a:ext>
+            </a:extLst>
+          </p:cNvPr>
+          <p:cNvSpPr>
+            <a:spLocks noGrp="1"/>
+          </p:cNvSpPr>
+          <p:nvPr>
+            <p:ph sz="half" idx="1"/>
+          </p:nvPr>
+        </p:nvSpPr>
+        <p:spPr/>
+        <p:txBody>
+          <a:bodyPr/>
+          <a:lstStyle/>
+          <a:p>
             <a:endParaRPr lang="es-US"/>
           </a:p>
         </p:txBody>
       </p:sp>
       <p:sp>
         <p:nvSpPr>
-          <p:cNvPr id="3" name="Marcador de contenido 2">
-            <a:extLst>
-              <a:ext uri="{FF2B5EF4-FFF2-40B4-BE49-F238E27FC236}">
-                <a16:creationId xmlns:a16="http://schemas.microsoft.com/office/drawing/2014/main" id="{16CFA056-CAB7-F7E9-7D7F-531DFADBE2EB}"/>
-              </a:ext>
-            </a:extLst>
-          </p:cNvPr>
-          <p:cNvSpPr>
-            <a:spLocks noGrp="1"/>
-          </p:cNvSpPr>
-          <p:nvPr>
-            <p:ph idx="1"/>
+          <p:cNvPr id="9" name="Marcador de contenido 8">
+            <a:extLst>
+              <a:ext uri="{FF2B5EF4-FFF2-40B4-BE49-F238E27FC236}">
+                <a16:creationId xmlns:a16="http://schemas.microsoft.com/office/drawing/2014/main" id="{B99AE8AE-5B91-895A-495F-7584F7F6E437}"/>
+              </a:ext>
+            </a:extLst>
+          </p:cNvPr>
+          <p:cNvSpPr>
+            <a:spLocks noGrp="1"/>
+          </p:cNvSpPr>
+          <p:nvPr>
+            <p:ph sz="half" idx="2"/>
           </p:nvPr>
         </p:nvSpPr>
         <p:spPr/>
@@ -6203,7 +6245,11 @@
           <a:bodyPr/>
           <a:lstStyle/>
           <a:p>
-            <a:endParaRPr lang="es-US"/>
+            <a:r>
+              <a:rPr lang="es-US" dirty="0" err="1"/>
+              <a:t>Analysis</a:t>
+            </a:r>
+            <a:endParaRPr lang="es-US" dirty="0"/>
           </a:p>
         </p:txBody>
       </p:sp>
@@ -6280,10 +6326,19 @@
         </p:nvSpPr>
         <p:spPr/>
         <p:txBody>
-          <a:bodyPr/>
+          <a:bodyPr>
+            <a:normAutofit fontScale="90000"/>
+          </a:bodyPr>
           <a:lstStyle/>
           <a:p>
-            <a:endParaRPr lang="es-US"/>
+            <a:r>
+              <a:rPr lang="es-US" dirty="0" err="1"/>
+              <a:t>Conclusion</a:t>
+            </a:r>
+            <a:br>
+              <a:rPr lang="es-US" dirty="0"/>
+            </a:br>
+            <a:endParaRPr lang="es-US" dirty="0"/>
           </a:p>
         </p:txBody>
       </p:sp>

--- a/Group1_Nifty500_Presentation.pptx
+++ b/Group1_Nifty500_Presentation.pptx
@@ -10,9 +10,6 @@
     <p:sldId id="258" r:id="rId4"/>
     <p:sldId id="259" r:id="rId5"/>
     <p:sldId id="260" r:id="rId6"/>
-    <p:sldId id="261" r:id="rId7"/>
-    <p:sldId id="262" r:id="rId8"/>
-    <p:sldId id="263" r:id="rId9"/>
   </p:sldIdLst>
   <p:sldSz cx="12192000" cy="6858000"/>
   <p:notesSz cx="6858000" cy="9144000"/>
@@ -278,7 +275,7 @@
           <a:p>
             <a:fld id="{64F0E216-BA48-4F04-AC4F-645AA0DD6AC6}" type="datetimeFigureOut">
               <a:rPr lang="en-US" smtClean="0"/>
-              <a:t>12/7/22</a:t>
+              <a:t>12/7/2022</a:t>
             </a:fld>
             <a:endParaRPr lang="en-US" dirty="0"/>
           </a:p>
@@ -348,7 +345,7 @@
           <a:p>
             <a:fld id="{D39607A7-8386-47DB-8578-DDEDD194E5D4}" type="slidenum">
               <a:rPr lang="en-US" smtClean="0"/>
-              <a:t>‹Nº›</a:t>
+              <a:t>‹#›</a:t>
             </a:fld>
             <a:endParaRPr lang="en-US" dirty="0"/>
           </a:p>
@@ -1326,7 +1323,7 @@
           <a:p>
             <a:fld id="{64F0E216-BA48-4F04-AC4F-645AA0DD6AC6}" type="datetimeFigureOut">
               <a:rPr lang="en-US" smtClean="0"/>
-              <a:t>12/7/22</a:t>
+              <a:t>12/7/2022</a:t>
             </a:fld>
             <a:endParaRPr lang="en-US"/>
           </a:p>
@@ -1396,7 +1393,7 @@
           <a:p>
             <a:fld id="{D39607A7-8386-47DB-8578-DDEDD194E5D4}" type="slidenum">
               <a:rPr lang="en-US" smtClean="0"/>
-              <a:t>‹Nº›</a:t>
+              <a:t>‹#›</a:t>
             </a:fld>
             <a:endParaRPr lang="en-US"/>
           </a:p>
@@ -1562,7 +1559,7 @@
           <a:p>
             <a:fld id="{64F0E216-BA48-4F04-AC4F-645AA0DD6AC6}" type="datetimeFigureOut">
               <a:rPr lang="en-US" smtClean="0"/>
-              <a:t>12/7/22</a:t>
+              <a:t>12/7/2022</a:t>
             </a:fld>
             <a:endParaRPr lang="en-US"/>
           </a:p>
@@ -1632,7 +1629,7 @@
           <a:p>
             <a:fld id="{D39607A7-8386-47DB-8578-DDEDD194E5D4}" type="slidenum">
               <a:rPr lang="en-US" smtClean="0"/>
-              <a:t>‹Nº›</a:t>
+              <a:t>‹#›</a:t>
             </a:fld>
             <a:endParaRPr lang="en-US"/>
           </a:p>
@@ -1785,7 +1782,7 @@
           <a:p>
             <a:fld id="{64F0E216-BA48-4F04-AC4F-645AA0DD6AC6}" type="datetimeFigureOut">
               <a:rPr lang="en-US" smtClean="0"/>
-              <a:t>12/7/22</a:t>
+              <a:t>12/7/2022</a:t>
             </a:fld>
             <a:endParaRPr lang="en-US"/>
           </a:p>
@@ -1855,7 +1852,7 @@
           <a:p>
             <a:fld id="{D39607A7-8386-47DB-8578-DDEDD194E5D4}" type="slidenum">
               <a:rPr lang="en-US" smtClean="0"/>
-              <a:t>‹Nº›</a:t>
+              <a:t>‹#›</a:t>
             </a:fld>
             <a:endParaRPr lang="en-US"/>
           </a:p>
@@ -2087,7 +2084,7 @@
           <a:p>
             <a:fld id="{64F0E216-BA48-4F04-AC4F-645AA0DD6AC6}" type="datetimeFigureOut">
               <a:rPr lang="en-US" smtClean="0"/>
-              <a:t>12/7/22</a:t>
+              <a:t>12/7/2022</a:t>
             </a:fld>
             <a:endParaRPr lang="en-US"/>
           </a:p>
@@ -2157,7 +2154,7 @@
           <a:p>
             <a:fld id="{D39607A7-8386-47DB-8578-DDEDD194E5D4}" type="slidenum">
               <a:rPr lang="en-US" smtClean="0"/>
-              <a:t>‹Nº›</a:t>
+              <a:t>‹#›</a:t>
             </a:fld>
             <a:endParaRPr lang="en-US"/>
           </a:p>
@@ -3551,7 +3548,7 @@
           <a:p>
             <a:fld id="{64F0E216-BA48-4F04-AC4F-645AA0DD6AC6}" type="datetimeFigureOut">
               <a:rPr lang="en-US" smtClean="0"/>
-              <a:t>12/7/22</a:t>
+              <a:t>12/7/2022</a:t>
             </a:fld>
             <a:endParaRPr lang="en-US"/>
           </a:p>
@@ -3621,7 +3618,7 @@
           <a:p>
             <a:fld id="{D39607A7-8386-47DB-8578-DDEDD194E5D4}" type="slidenum">
               <a:rPr lang="en-US" smtClean="0"/>
-              <a:t>‹Nº›</a:t>
+              <a:t>‹#›</a:t>
             </a:fld>
             <a:endParaRPr lang="en-US"/>
           </a:p>
@@ -4018,7 +4015,7 @@
           <a:p>
             <a:fld id="{64F0E216-BA48-4F04-AC4F-645AA0DD6AC6}" type="datetimeFigureOut">
               <a:rPr lang="en-US" smtClean="0"/>
-              <a:t>12/7/22</a:t>
+              <a:t>12/7/2022</a:t>
             </a:fld>
             <a:endParaRPr lang="en-US"/>
           </a:p>
@@ -4088,7 +4085,7 @@
           <a:p>
             <a:fld id="{D39607A7-8386-47DB-8578-DDEDD194E5D4}" type="slidenum">
               <a:rPr lang="en-US" smtClean="0"/>
-              <a:t>‹Nº›</a:t>
+              <a:t>‹#›</a:t>
             </a:fld>
             <a:endParaRPr lang="en-US"/>
           </a:p>
@@ -4193,7 +4190,7 @@
           <a:p>
             <a:fld id="{64F0E216-BA48-4F04-AC4F-645AA0DD6AC6}" type="datetimeFigureOut">
               <a:rPr lang="en-US" smtClean="0"/>
-              <a:t>12/7/22</a:t>
+              <a:t>12/7/2022</a:t>
             </a:fld>
             <a:endParaRPr lang="en-US"/>
           </a:p>
@@ -4263,7 +4260,7 @@
           <a:p>
             <a:fld id="{D39607A7-8386-47DB-8578-DDEDD194E5D4}" type="slidenum">
               <a:rPr lang="en-US" smtClean="0"/>
-              <a:t>‹Nº›</a:t>
+              <a:t>‹#›</a:t>
             </a:fld>
             <a:endParaRPr lang="en-US"/>
           </a:p>
@@ -4330,7 +4327,7 @@
           <a:p>
             <a:fld id="{64F0E216-BA48-4F04-AC4F-645AA0DD6AC6}" type="datetimeFigureOut">
               <a:rPr lang="en-US" smtClean="0"/>
-              <a:t>12/7/22</a:t>
+              <a:t>12/7/2022</a:t>
             </a:fld>
             <a:endParaRPr lang="en-US"/>
           </a:p>
@@ -4400,7 +4397,7 @@
           <a:p>
             <a:fld id="{D39607A7-8386-47DB-8578-DDEDD194E5D4}" type="slidenum">
               <a:rPr lang="en-US" smtClean="0"/>
-              <a:t>‹Nº›</a:t>
+              <a:t>‹#›</a:t>
             </a:fld>
             <a:endParaRPr lang="en-US"/>
           </a:p>
@@ -4680,7 +4677,7 @@
           <a:p>
             <a:fld id="{64F0E216-BA48-4F04-AC4F-645AA0DD6AC6}" type="datetimeFigureOut">
               <a:rPr lang="en-US" smtClean="0"/>
-              <a:t>12/7/22</a:t>
+              <a:t>12/7/2022</a:t>
             </a:fld>
             <a:endParaRPr lang="en-US"/>
           </a:p>
@@ -4750,7 +4747,7 @@
           <a:p>
             <a:fld id="{D39607A7-8386-47DB-8578-DDEDD194E5D4}" type="slidenum">
               <a:rPr lang="en-US" smtClean="0"/>
-              <a:t>‹Nº›</a:t>
+              <a:t>‹#›</a:t>
             </a:fld>
             <a:endParaRPr lang="en-US"/>
           </a:p>
@@ -5001,7 +4998,7 @@
           <a:p>
             <a:fld id="{64F0E216-BA48-4F04-AC4F-645AA0DD6AC6}" type="datetimeFigureOut">
               <a:rPr lang="en-US" smtClean="0"/>
-              <a:t>12/7/22</a:t>
+              <a:t>12/7/2022</a:t>
             </a:fld>
             <a:endParaRPr lang="en-US"/>
           </a:p>
@@ -5071,7 +5068,7 @@
           <a:p>
             <a:fld id="{D39607A7-8386-47DB-8578-DDEDD194E5D4}" type="slidenum">
               <a:rPr lang="en-US" smtClean="0"/>
-              <a:t>‹Nº›</a:t>
+              <a:t>‹#›</a:t>
             </a:fld>
             <a:endParaRPr lang="en-US"/>
           </a:p>
@@ -5263,7 +5260,7 @@
             <a:fld id="{64F0E216-BA48-4F04-AC4F-645AA0DD6AC6}" type="datetimeFigureOut">
               <a:rPr lang="en-US" smtClean="0"/>
               <a:pPr/>
-              <a:t>12/7/22</a:t>
+              <a:t>12/7/2022</a:t>
             </a:fld>
             <a:endParaRPr lang="en-US" dirty="0"/>
           </a:p>
@@ -5358,7 +5355,7 @@
             <a:fld id="{D39607A7-8386-47DB-8578-DDEDD194E5D4}" type="slidenum">
               <a:rPr lang="en-US" smtClean="0"/>
               <a:pPr/>
-              <a:t>‹Nº›</a:t>
+              <a:t>‹#›</a:t>
             </a:fld>
             <a:endParaRPr lang="en-US" dirty="0"/>
           </a:p>
@@ -6074,10 +6071,27 @@
         </p:nvSpPr>
         <p:spPr/>
         <p:txBody>
-          <a:bodyPr/>
+          <a:bodyPr>
+            <a:normAutofit/>
+          </a:bodyPr>
           <a:lstStyle/>
           <a:p>
-            <a:endParaRPr lang="es-US"/>
+            <a:r>
+              <a:rPr lang="es-US" sz="2800" dirty="0"/>
+              <a:t>- Nifty 100, a set of Stocks in India</a:t>
+            </a:r>
+          </a:p>
+          <a:p>
+            <a:r>
+              <a:rPr lang="es-US" sz="2800" dirty="0"/>
+              <a:t>- Time of data collection ranges from 2015 to 2021</a:t>
+            </a:r>
+          </a:p>
+          <a:p>
+            <a:r>
+              <a:rPr lang="es-US" sz="2800" dirty="0"/>
+              <a:t>- 60 Columns, minute by minute data</a:t>
+            </a:r>
           </a:p>
         </p:txBody>
       </p:sp>
@@ -6165,7 +6179,28 @@
           <a:bodyPr/>
           <a:lstStyle/>
           <a:p>
-            <a:endParaRPr lang="es-US"/>
+            <a:r>
+              <a:rPr lang="es-US" dirty="0"/>
+              <a:t>- Reduced to day-by-day data</a:t>
+            </a:r>
+          </a:p>
+          <a:p>
+            <a:r>
+              <a:rPr lang="es-US" dirty="0"/>
+              <a:t>- Day Open, and Day Close</a:t>
+            </a:r>
+          </a:p>
+          <a:p>
+            <a:r>
+              <a:rPr lang="es-US" dirty="0"/>
+              <a:t>- 50 Day Moving Average</a:t>
+            </a:r>
+          </a:p>
+          <a:p>
+            <a:r>
+              <a:rPr lang="es-US" dirty="0"/>
+              <a:t>- List of duration periods in which the stock price was above 50-day MA for more than 2 days in a row</a:t>
+            </a:r>
           </a:p>
         </p:txBody>
       </p:sp>
@@ -6190,7 +6225,7 @@
           <a:bodyPr/>
           <a:lstStyle/>
           <a:p>
-            <a:endParaRPr lang="es-US"/>
+            <a:endParaRPr lang="es-US" dirty="0"/>
           </a:p>
         </p:txBody>
       </p:sp>
@@ -6269,15 +6304,107 @@
             <p:ph idx="1"/>
           </p:nvPr>
         </p:nvSpPr>
-        <p:spPr/>
+        <p:spPr>
+          <a:xfrm>
+            <a:off x="1079500" y="1790700"/>
+            <a:ext cx="4427220" cy="3978275"/>
+          </a:xfrm>
+        </p:spPr>
         <p:txBody>
           <a:bodyPr/>
           <a:lstStyle/>
           <a:p>
-            <a:endParaRPr lang="es-US"/>
-          </a:p>
-        </p:txBody>
-      </p:sp>
+            <a:r>
+              <a:rPr lang="es-US" dirty="0"/>
+              <a:t>- 7 of the stocks were shown to be stationary by the Augmented-Dickey Fuller Test</a:t>
+            </a:r>
+          </a:p>
+          <a:p>
+            <a:r>
+              <a:rPr lang="es-US" dirty="0"/>
+              <a:t>- Median duration of continuous movement above the 50-day MA was 5 for all stocks</a:t>
+            </a:r>
+          </a:p>
+          <a:p>
+            <a:r>
+              <a:rPr lang="es-US" dirty="0"/>
+              <a:t>- Trends appear to exist, as seen to the right comparison of MA and raw stock prices</a:t>
+            </a:r>
+          </a:p>
+        </p:txBody>
+      </p:sp>
+      <p:pic>
+        <p:nvPicPr>
+          <p:cNvPr id="4" name="Picture 3" descr="Graphical user interface, chart, histogram&#10;&#10;Description automatically generated">
+            <a:extLst>
+              <a:ext uri="{FF2B5EF4-FFF2-40B4-BE49-F238E27FC236}">
+                <a16:creationId xmlns:a16="http://schemas.microsoft.com/office/drawing/2014/main" id="{AF1CF82C-61F5-CDBE-12AF-9F81BBC2A9F4}"/>
+              </a:ext>
+            </a:extLst>
+          </p:cNvPr>
+          <p:cNvPicPr>
+            <a:picLocks noChangeAspect="1"/>
+          </p:cNvPicPr>
+          <p:nvPr/>
+        </p:nvPicPr>
+        <p:blipFill>
+          <a:blip r:embed="rId2" cstate="print">
+            <a:extLst>
+              <a:ext uri="{28A0092B-C50C-407E-A947-70E740481C1C}">
+                <a14:useLocalDpi xmlns:a14="http://schemas.microsoft.com/office/drawing/2010/main" val="0"/>
+              </a:ext>
+            </a:extLst>
+          </a:blip>
+          <a:stretch>
+            <a:fillRect/>
+          </a:stretch>
+        </p:blipFill>
+        <p:spPr>
+          <a:xfrm>
+            <a:off x="6800394" y="369043"/>
+            <a:ext cx="4811395" cy="3017253"/>
+          </a:xfrm>
+          <a:prstGeom prst="rect">
+            <a:avLst/>
+          </a:prstGeom>
+        </p:spPr>
+      </p:pic>
+      <p:pic>
+        <p:nvPicPr>
+          <p:cNvPr id="5" name="Picture 4" descr="Graphical user interface, chart, line chart, histogram&#10;&#10;Description automatically generated">
+            <a:extLst>
+              <a:ext uri="{FF2B5EF4-FFF2-40B4-BE49-F238E27FC236}">
+                <a16:creationId xmlns:a16="http://schemas.microsoft.com/office/drawing/2014/main" id="{1E145706-DC86-81CC-376A-F22BBA627AB1}"/>
+              </a:ext>
+            </a:extLst>
+          </p:cNvPr>
+          <p:cNvPicPr>
+            <a:picLocks noChangeAspect="1"/>
+          </p:cNvPicPr>
+          <p:nvPr/>
+        </p:nvPicPr>
+        <p:blipFill>
+          <a:blip r:embed="rId3" cstate="print">
+            <a:extLst>
+              <a:ext uri="{28A0092B-C50C-407E-A947-70E740481C1C}">
+                <a14:useLocalDpi xmlns:a14="http://schemas.microsoft.com/office/drawing/2010/main" val="0"/>
+              </a:ext>
+            </a:extLst>
+          </a:blip>
+          <a:stretch>
+            <a:fillRect/>
+          </a:stretch>
+        </p:blipFill>
+        <p:spPr>
+          <a:xfrm>
+            <a:off x="6802755" y="3552825"/>
+            <a:ext cx="4809034" cy="3017253"/>
+          </a:xfrm>
+          <a:prstGeom prst="rect">
+            <a:avLst/>
+          </a:prstGeom>
+        </p:spPr>
+      </p:pic>
     </p:spTree>
     <p:extLst>
       <p:ext uri="{BB962C8B-B14F-4D97-AF65-F5344CB8AC3E}">
@@ -6363,7 +6490,19 @@
           <a:bodyPr/>
           <a:lstStyle/>
           <a:p>
-            <a:endParaRPr lang="es-US"/>
+            <a:r>
+              <a:rPr lang="es-US" dirty="0"/>
+              <a:t>- From our analysis, we conclude that the movement of stock prices is </a:t>
+            </a:r>
+            <a:r>
+              <a:rPr lang="es-US" b="1" dirty="0"/>
+              <a:t>not </a:t>
+            </a:r>
+            <a:r>
+              <a:rPr lang="es-US" b="1"/>
+              <a:t>random.</a:t>
+            </a:r>
+            <a:endParaRPr lang="es-US" b="1" dirty="0"/>
           </a:p>
         </p:txBody>
       </p:sp>
@@ -6371,246 +6510,6 @@
     <p:extLst>
       <p:ext uri="{BB962C8B-B14F-4D97-AF65-F5344CB8AC3E}">
         <p14:creationId xmlns:p14="http://schemas.microsoft.com/office/powerpoint/2010/main" val="3731018044"/>
-      </p:ext>
-    </p:extLst>
-  </p:cSld>
-  <p:clrMapOvr>
-    <a:masterClrMapping/>
-  </p:clrMapOvr>
-</p:sld>
-</file>
-
-<file path=ppt/slides/slide6.xml><?xml version="1.0" encoding="utf-8"?>
-<p:sld xmlns:a="http://schemas.openxmlformats.org/drawingml/2006/main" xmlns:r="http://schemas.openxmlformats.org/officeDocument/2006/relationships" xmlns:p="http://schemas.openxmlformats.org/presentationml/2006/main">
-  <p:cSld>
-    <p:spTree>
-      <p:nvGrpSpPr>
-        <p:cNvPr id="1" name=""/>
-        <p:cNvGrpSpPr/>
-        <p:nvPr/>
-      </p:nvGrpSpPr>
-      <p:grpSpPr>
-        <a:xfrm>
-          <a:off x="0" y="0"/>
-          <a:ext cx="0" cy="0"/>
-          <a:chOff x="0" y="0"/>
-          <a:chExt cx="0" cy="0"/>
-        </a:xfrm>
-      </p:grpSpPr>
-      <p:sp>
-        <p:nvSpPr>
-          <p:cNvPr id="2" name="Título 1">
-            <a:extLst>
-              <a:ext uri="{FF2B5EF4-FFF2-40B4-BE49-F238E27FC236}">
-                <a16:creationId xmlns:a16="http://schemas.microsoft.com/office/drawing/2014/main" id="{5F59F934-911B-4506-CBA9-2E5FD2AF38AE}"/>
-              </a:ext>
-            </a:extLst>
-          </p:cNvPr>
-          <p:cNvSpPr>
-            <a:spLocks noGrp="1"/>
-          </p:cNvSpPr>
-          <p:nvPr>
-            <p:ph type="title"/>
-          </p:nvPr>
-        </p:nvSpPr>
-        <p:spPr/>
-        <p:txBody>
-          <a:bodyPr/>
-          <a:lstStyle/>
-          <a:p>
-            <a:endParaRPr lang="es-US"/>
-          </a:p>
-        </p:txBody>
-      </p:sp>
-      <p:sp>
-        <p:nvSpPr>
-          <p:cNvPr id="3" name="Marcador de contenido 2">
-            <a:extLst>
-              <a:ext uri="{FF2B5EF4-FFF2-40B4-BE49-F238E27FC236}">
-                <a16:creationId xmlns:a16="http://schemas.microsoft.com/office/drawing/2014/main" id="{21AB9EAE-659E-52CF-DDB0-88FBC58D887C}"/>
-              </a:ext>
-            </a:extLst>
-          </p:cNvPr>
-          <p:cNvSpPr>
-            <a:spLocks noGrp="1"/>
-          </p:cNvSpPr>
-          <p:nvPr>
-            <p:ph idx="1"/>
-          </p:nvPr>
-        </p:nvSpPr>
-        <p:spPr/>
-        <p:txBody>
-          <a:bodyPr/>
-          <a:lstStyle/>
-          <a:p>
-            <a:endParaRPr lang="es-US"/>
-          </a:p>
-        </p:txBody>
-      </p:sp>
-    </p:spTree>
-    <p:extLst>
-      <p:ext uri="{BB962C8B-B14F-4D97-AF65-F5344CB8AC3E}">
-        <p14:creationId xmlns:p14="http://schemas.microsoft.com/office/powerpoint/2010/main" val="1979399643"/>
-      </p:ext>
-    </p:extLst>
-  </p:cSld>
-  <p:clrMapOvr>
-    <a:masterClrMapping/>
-  </p:clrMapOvr>
-</p:sld>
-</file>
-
-<file path=ppt/slides/slide7.xml><?xml version="1.0" encoding="utf-8"?>
-<p:sld xmlns:a="http://schemas.openxmlformats.org/drawingml/2006/main" xmlns:r="http://schemas.openxmlformats.org/officeDocument/2006/relationships" xmlns:p="http://schemas.openxmlformats.org/presentationml/2006/main">
-  <p:cSld>
-    <p:spTree>
-      <p:nvGrpSpPr>
-        <p:cNvPr id="1" name=""/>
-        <p:cNvGrpSpPr/>
-        <p:nvPr/>
-      </p:nvGrpSpPr>
-      <p:grpSpPr>
-        <a:xfrm>
-          <a:off x="0" y="0"/>
-          <a:ext cx="0" cy="0"/>
-          <a:chOff x="0" y="0"/>
-          <a:chExt cx="0" cy="0"/>
-        </a:xfrm>
-      </p:grpSpPr>
-      <p:sp>
-        <p:nvSpPr>
-          <p:cNvPr id="2" name="Título 1">
-            <a:extLst>
-              <a:ext uri="{FF2B5EF4-FFF2-40B4-BE49-F238E27FC236}">
-                <a16:creationId xmlns:a16="http://schemas.microsoft.com/office/drawing/2014/main" id="{627DBBF3-6890-1FDA-8DEC-86CFBEFBB1F5}"/>
-              </a:ext>
-            </a:extLst>
-          </p:cNvPr>
-          <p:cNvSpPr>
-            <a:spLocks noGrp="1"/>
-          </p:cNvSpPr>
-          <p:nvPr>
-            <p:ph type="title"/>
-          </p:nvPr>
-        </p:nvSpPr>
-        <p:spPr/>
-        <p:txBody>
-          <a:bodyPr/>
-          <a:lstStyle/>
-          <a:p>
-            <a:endParaRPr lang="es-US"/>
-          </a:p>
-        </p:txBody>
-      </p:sp>
-      <p:sp>
-        <p:nvSpPr>
-          <p:cNvPr id="3" name="Marcador de contenido 2">
-            <a:extLst>
-              <a:ext uri="{FF2B5EF4-FFF2-40B4-BE49-F238E27FC236}">
-                <a16:creationId xmlns:a16="http://schemas.microsoft.com/office/drawing/2014/main" id="{C32A6582-4A4E-B8F6-1BC7-52DC34C2A501}"/>
-              </a:ext>
-            </a:extLst>
-          </p:cNvPr>
-          <p:cNvSpPr>
-            <a:spLocks noGrp="1"/>
-          </p:cNvSpPr>
-          <p:nvPr>
-            <p:ph idx="1"/>
-          </p:nvPr>
-        </p:nvSpPr>
-        <p:spPr/>
-        <p:txBody>
-          <a:bodyPr/>
-          <a:lstStyle/>
-          <a:p>
-            <a:endParaRPr lang="es-US"/>
-          </a:p>
-        </p:txBody>
-      </p:sp>
-    </p:spTree>
-    <p:extLst>
-      <p:ext uri="{BB962C8B-B14F-4D97-AF65-F5344CB8AC3E}">
-        <p14:creationId xmlns:p14="http://schemas.microsoft.com/office/powerpoint/2010/main" val="3469738330"/>
-      </p:ext>
-    </p:extLst>
-  </p:cSld>
-  <p:clrMapOvr>
-    <a:masterClrMapping/>
-  </p:clrMapOvr>
-</p:sld>
-</file>
-
-<file path=ppt/slides/slide8.xml><?xml version="1.0" encoding="utf-8"?>
-<p:sld xmlns:a="http://schemas.openxmlformats.org/drawingml/2006/main" xmlns:r="http://schemas.openxmlformats.org/officeDocument/2006/relationships" xmlns:p="http://schemas.openxmlformats.org/presentationml/2006/main">
-  <p:cSld>
-    <p:spTree>
-      <p:nvGrpSpPr>
-        <p:cNvPr id="1" name=""/>
-        <p:cNvGrpSpPr/>
-        <p:nvPr/>
-      </p:nvGrpSpPr>
-      <p:grpSpPr>
-        <a:xfrm>
-          <a:off x="0" y="0"/>
-          <a:ext cx="0" cy="0"/>
-          <a:chOff x="0" y="0"/>
-          <a:chExt cx="0" cy="0"/>
-        </a:xfrm>
-      </p:grpSpPr>
-      <p:sp>
-        <p:nvSpPr>
-          <p:cNvPr id="2" name="Título 1">
-            <a:extLst>
-              <a:ext uri="{FF2B5EF4-FFF2-40B4-BE49-F238E27FC236}">
-                <a16:creationId xmlns:a16="http://schemas.microsoft.com/office/drawing/2014/main" id="{7D7D9E64-9860-7F60-4834-9B6EE3D6F46F}"/>
-              </a:ext>
-            </a:extLst>
-          </p:cNvPr>
-          <p:cNvSpPr>
-            <a:spLocks noGrp="1"/>
-          </p:cNvSpPr>
-          <p:nvPr>
-            <p:ph type="title"/>
-          </p:nvPr>
-        </p:nvSpPr>
-        <p:spPr/>
-        <p:txBody>
-          <a:bodyPr/>
-          <a:lstStyle/>
-          <a:p>
-            <a:endParaRPr lang="es-US"/>
-          </a:p>
-        </p:txBody>
-      </p:sp>
-      <p:sp>
-        <p:nvSpPr>
-          <p:cNvPr id="3" name="Marcador de contenido 2">
-            <a:extLst>
-              <a:ext uri="{FF2B5EF4-FFF2-40B4-BE49-F238E27FC236}">
-                <a16:creationId xmlns:a16="http://schemas.microsoft.com/office/drawing/2014/main" id="{9AA36D06-E147-D4D8-1DCD-B0005B8C3395}"/>
-              </a:ext>
-            </a:extLst>
-          </p:cNvPr>
-          <p:cNvSpPr>
-            <a:spLocks noGrp="1"/>
-          </p:cNvSpPr>
-          <p:nvPr>
-            <p:ph idx="1"/>
-          </p:nvPr>
-        </p:nvSpPr>
-        <p:spPr/>
-        <p:txBody>
-          <a:bodyPr/>
-          <a:lstStyle/>
-          <a:p>
-            <a:endParaRPr lang="es-US"/>
-          </a:p>
-        </p:txBody>
-      </p:sp>
-    </p:spTree>
-    <p:extLst>
-      <p:ext uri="{BB962C8B-B14F-4D97-AF65-F5344CB8AC3E}">
-        <p14:creationId xmlns:p14="http://schemas.microsoft.com/office/powerpoint/2010/main" val="3049297008"/>
       </p:ext>
     </p:extLst>
   </p:cSld>

--- a/Group1_Nifty500_Presentation.pptx
+++ b/Group1_Nifty500_Presentation.pptx
@@ -275,7 +275,7 @@
           <a:p>
             <a:fld id="{64F0E216-BA48-4F04-AC4F-645AA0DD6AC6}" type="datetimeFigureOut">
               <a:rPr lang="en-US" smtClean="0"/>
-              <a:t>12/7/2022</a:t>
+              <a:t>12/8/22</a:t>
             </a:fld>
             <a:endParaRPr lang="en-US" dirty="0"/>
           </a:p>
@@ -345,7 +345,7 @@
           <a:p>
             <a:fld id="{D39607A7-8386-47DB-8578-DDEDD194E5D4}" type="slidenum">
               <a:rPr lang="en-US" smtClean="0"/>
-              <a:t>‹#›</a:t>
+              <a:t>‹Nº›</a:t>
             </a:fld>
             <a:endParaRPr lang="en-US" dirty="0"/>
           </a:p>
@@ -1323,7 +1323,7 @@
           <a:p>
             <a:fld id="{64F0E216-BA48-4F04-AC4F-645AA0DD6AC6}" type="datetimeFigureOut">
               <a:rPr lang="en-US" smtClean="0"/>
-              <a:t>12/7/2022</a:t>
+              <a:t>12/8/22</a:t>
             </a:fld>
             <a:endParaRPr lang="en-US"/>
           </a:p>
@@ -1393,7 +1393,7 @@
           <a:p>
             <a:fld id="{D39607A7-8386-47DB-8578-DDEDD194E5D4}" type="slidenum">
               <a:rPr lang="en-US" smtClean="0"/>
-              <a:t>‹#›</a:t>
+              <a:t>‹Nº›</a:t>
             </a:fld>
             <a:endParaRPr lang="en-US"/>
           </a:p>
@@ -1559,7 +1559,7 @@
           <a:p>
             <a:fld id="{64F0E216-BA48-4F04-AC4F-645AA0DD6AC6}" type="datetimeFigureOut">
               <a:rPr lang="en-US" smtClean="0"/>
-              <a:t>12/7/2022</a:t>
+              <a:t>12/8/22</a:t>
             </a:fld>
             <a:endParaRPr lang="en-US"/>
           </a:p>
@@ -1629,7 +1629,7 @@
           <a:p>
             <a:fld id="{D39607A7-8386-47DB-8578-DDEDD194E5D4}" type="slidenum">
               <a:rPr lang="en-US" smtClean="0"/>
-              <a:t>‹#›</a:t>
+              <a:t>‹Nº›</a:t>
             </a:fld>
             <a:endParaRPr lang="en-US"/>
           </a:p>
@@ -1782,7 +1782,7 @@
           <a:p>
             <a:fld id="{64F0E216-BA48-4F04-AC4F-645AA0DD6AC6}" type="datetimeFigureOut">
               <a:rPr lang="en-US" smtClean="0"/>
-              <a:t>12/7/2022</a:t>
+              <a:t>12/8/22</a:t>
             </a:fld>
             <a:endParaRPr lang="en-US"/>
           </a:p>
@@ -1852,7 +1852,7 @@
           <a:p>
             <a:fld id="{D39607A7-8386-47DB-8578-DDEDD194E5D4}" type="slidenum">
               <a:rPr lang="en-US" smtClean="0"/>
-              <a:t>‹#›</a:t>
+              <a:t>‹Nº›</a:t>
             </a:fld>
             <a:endParaRPr lang="en-US"/>
           </a:p>
@@ -2084,7 +2084,7 @@
           <a:p>
             <a:fld id="{64F0E216-BA48-4F04-AC4F-645AA0DD6AC6}" type="datetimeFigureOut">
               <a:rPr lang="en-US" smtClean="0"/>
-              <a:t>12/7/2022</a:t>
+              <a:t>12/8/22</a:t>
             </a:fld>
             <a:endParaRPr lang="en-US"/>
           </a:p>
@@ -2154,7 +2154,7 @@
           <a:p>
             <a:fld id="{D39607A7-8386-47DB-8578-DDEDD194E5D4}" type="slidenum">
               <a:rPr lang="en-US" smtClean="0"/>
-              <a:t>‹#›</a:t>
+              <a:t>‹Nº›</a:t>
             </a:fld>
             <a:endParaRPr lang="en-US"/>
           </a:p>
@@ -3548,7 +3548,7 @@
           <a:p>
             <a:fld id="{64F0E216-BA48-4F04-AC4F-645AA0DD6AC6}" type="datetimeFigureOut">
               <a:rPr lang="en-US" smtClean="0"/>
-              <a:t>12/7/2022</a:t>
+              <a:t>12/8/22</a:t>
             </a:fld>
             <a:endParaRPr lang="en-US"/>
           </a:p>
@@ -3618,7 +3618,7 @@
           <a:p>
             <a:fld id="{D39607A7-8386-47DB-8578-DDEDD194E5D4}" type="slidenum">
               <a:rPr lang="en-US" smtClean="0"/>
-              <a:t>‹#›</a:t>
+              <a:t>‹Nº›</a:t>
             </a:fld>
             <a:endParaRPr lang="en-US"/>
           </a:p>
@@ -4015,7 +4015,7 @@
           <a:p>
             <a:fld id="{64F0E216-BA48-4F04-AC4F-645AA0DD6AC6}" type="datetimeFigureOut">
               <a:rPr lang="en-US" smtClean="0"/>
-              <a:t>12/7/2022</a:t>
+              <a:t>12/8/22</a:t>
             </a:fld>
             <a:endParaRPr lang="en-US"/>
           </a:p>
@@ -4085,7 +4085,7 @@
           <a:p>
             <a:fld id="{D39607A7-8386-47DB-8578-DDEDD194E5D4}" type="slidenum">
               <a:rPr lang="en-US" smtClean="0"/>
-              <a:t>‹#›</a:t>
+              <a:t>‹Nº›</a:t>
             </a:fld>
             <a:endParaRPr lang="en-US"/>
           </a:p>
@@ -4190,7 +4190,7 @@
           <a:p>
             <a:fld id="{64F0E216-BA48-4F04-AC4F-645AA0DD6AC6}" type="datetimeFigureOut">
               <a:rPr lang="en-US" smtClean="0"/>
-              <a:t>12/7/2022</a:t>
+              <a:t>12/8/22</a:t>
             </a:fld>
             <a:endParaRPr lang="en-US"/>
           </a:p>
@@ -4260,7 +4260,7 @@
           <a:p>
             <a:fld id="{D39607A7-8386-47DB-8578-DDEDD194E5D4}" type="slidenum">
               <a:rPr lang="en-US" smtClean="0"/>
-              <a:t>‹#›</a:t>
+              <a:t>‹Nº›</a:t>
             </a:fld>
             <a:endParaRPr lang="en-US"/>
           </a:p>
@@ -4327,7 +4327,7 @@
           <a:p>
             <a:fld id="{64F0E216-BA48-4F04-AC4F-645AA0DD6AC6}" type="datetimeFigureOut">
               <a:rPr lang="en-US" smtClean="0"/>
-              <a:t>12/7/2022</a:t>
+              <a:t>12/8/22</a:t>
             </a:fld>
             <a:endParaRPr lang="en-US"/>
           </a:p>
@@ -4397,7 +4397,7 @@
           <a:p>
             <a:fld id="{D39607A7-8386-47DB-8578-DDEDD194E5D4}" type="slidenum">
               <a:rPr lang="en-US" smtClean="0"/>
-              <a:t>‹#›</a:t>
+              <a:t>‹Nº›</a:t>
             </a:fld>
             <a:endParaRPr lang="en-US"/>
           </a:p>
@@ -4677,7 +4677,7 @@
           <a:p>
             <a:fld id="{64F0E216-BA48-4F04-AC4F-645AA0DD6AC6}" type="datetimeFigureOut">
               <a:rPr lang="en-US" smtClean="0"/>
-              <a:t>12/7/2022</a:t>
+              <a:t>12/8/22</a:t>
             </a:fld>
             <a:endParaRPr lang="en-US"/>
           </a:p>
@@ -4747,7 +4747,7 @@
           <a:p>
             <a:fld id="{D39607A7-8386-47DB-8578-DDEDD194E5D4}" type="slidenum">
               <a:rPr lang="en-US" smtClean="0"/>
-              <a:t>‹#›</a:t>
+              <a:t>‹Nº›</a:t>
             </a:fld>
             <a:endParaRPr lang="en-US"/>
           </a:p>
@@ -4998,7 +4998,7 @@
           <a:p>
             <a:fld id="{64F0E216-BA48-4F04-AC4F-645AA0DD6AC6}" type="datetimeFigureOut">
               <a:rPr lang="en-US" smtClean="0"/>
-              <a:t>12/7/2022</a:t>
+              <a:t>12/8/22</a:t>
             </a:fld>
             <a:endParaRPr lang="en-US"/>
           </a:p>
@@ -5068,7 +5068,7 @@
           <a:p>
             <a:fld id="{D39607A7-8386-47DB-8578-DDEDD194E5D4}" type="slidenum">
               <a:rPr lang="en-US" smtClean="0"/>
-              <a:t>‹#›</a:t>
+              <a:t>‹Nº›</a:t>
             </a:fld>
             <a:endParaRPr lang="en-US"/>
           </a:p>
@@ -5260,7 +5260,7 @@
             <a:fld id="{64F0E216-BA48-4F04-AC4F-645AA0DD6AC6}" type="datetimeFigureOut">
               <a:rPr lang="en-US" smtClean="0"/>
               <a:pPr/>
-              <a:t>12/7/2022</a:t>
+              <a:t>12/8/22</a:t>
             </a:fld>
             <a:endParaRPr lang="en-US" dirty="0"/>
           </a:p>
@@ -5355,7 +5355,7 @@
             <a:fld id="{D39607A7-8386-47DB-8578-DDEDD194E5D4}" type="slidenum">
               <a:rPr lang="en-US" smtClean="0"/>
               <a:pPr/>
-              <a:t>‹#›</a:t>
+              <a:t>‹Nº›</a:t>
             </a:fld>
             <a:endParaRPr lang="en-US" dirty="0"/>
           </a:p>
@@ -6077,20 +6077,123 @@
           <a:lstStyle/>
           <a:p>
             <a:r>
+              <a:rPr lang="es-US" sz="2800" dirty="0" err="1"/>
+              <a:t>Nifty</a:t>
+            </a:r>
+            <a:r>
               <a:rPr lang="es-US" sz="2800" dirty="0"/>
-              <a:t>- Nifty 100, a set of Stocks in India</a:t>
-            </a:r>
-          </a:p>
-          <a:p>
+              <a:t> 100, a set </a:t>
+            </a:r>
+            <a:r>
+              <a:rPr lang="es-US" sz="2800" dirty="0" err="1"/>
+              <a:t>of</a:t>
+            </a:r>
             <a:r>
               <a:rPr lang="es-US" sz="2800" dirty="0"/>
-              <a:t>- Time of data collection ranges from 2015 to 2021</a:t>
+              <a:t> stocks in India</a:t>
             </a:r>
           </a:p>
           <a:p>
             <a:r>
               <a:rPr lang="es-US" sz="2800" dirty="0"/>
-              <a:t>- 60 Columns, minute by minute data</a:t>
+              <a:t>Time of data collection ranges from 2015 to 2021</a:t>
+            </a:r>
+          </a:p>
+          <a:p>
+            <a:r>
+              <a:rPr lang="es-US" sz="2800" dirty="0"/>
+              <a:t>60 Columns, minute by minute data</a:t>
+            </a:r>
+          </a:p>
+          <a:p>
+            <a:pPr lvl="2"/>
+            <a:r>
+              <a:rPr lang="es-US" sz="2800" dirty="0" err="1"/>
+              <a:t>For</a:t>
+            </a:r>
+            <a:r>
+              <a:rPr lang="es-US" sz="2800" dirty="0"/>
+              <a:t> </a:t>
+            </a:r>
+            <a:r>
+              <a:rPr lang="es-US" sz="2800" dirty="0" err="1"/>
+              <a:t>analysis</a:t>
+            </a:r>
+            <a:r>
+              <a:rPr lang="es-US" sz="2800" dirty="0"/>
+              <a:t>, </a:t>
+            </a:r>
+            <a:r>
+              <a:rPr lang="es-US" sz="2800" dirty="0" err="1"/>
+              <a:t>we</a:t>
+            </a:r>
+            <a:r>
+              <a:rPr lang="es-US" sz="2800" dirty="0"/>
+              <a:t> </a:t>
+            </a:r>
+            <a:r>
+              <a:rPr lang="es-US" sz="2800" dirty="0" err="1"/>
+              <a:t>used</a:t>
+            </a:r>
+            <a:r>
+              <a:rPr lang="es-US" sz="2800" dirty="0"/>
+              <a:t> </a:t>
+            </a:r>
+            <a:r>
+              <a:rPr lang="es-US" sz="2800" dirty="0" err="1"/>
+              <a:t>the</a:t>
+            </a:r>
+            <a:r>
+              <a:rPr lang="es-US" sz="2800" dirty="0"/>
+              <a:t> standard stock </a:t>
+            </a:r>
+            <a:r>
+              <a:rPr lang="es-US" sz="2800" dirty="0" err="1"/>
+              <a:t>information</a:t>
+            </a:r>
+            <a:r>
+              <a:rPr lang="es-US" sz="2800" dirty="0"/>
+              <a:t> </a:t>
+            </a:r>
+            <a:r>
+              <a:rPr lang="es-US" sz="2800" dirty="0" err="1"/>
+              <a:t>columns</a:t>
+            </a:r>
+            <a:r>
+              <a:rPr lang="es-US" sz="2800" dirty="0"/>
+              <a:t> and </a:t>
+            </a:r>
+            <a:r>
+              <a:rPr lang="es-US" sz="2800" dirty="0" err="1"/>
+              <a:t>constructed</a:t>
+            </a:r>
+            <a:r>
+              <a:rPr lang="es-US" sz="2800" dirty="0"/>
+              <a:t> </a:t>
+            </a:r>
+            <a:r>
+              <a:rPr lang="es-US" sz="2800" dirty="0" err="1"/>
+              <a:t>several</a:t>
+            </a:r>
+            <a:r>
+              <a:rPr lang="es-US" sz="2800" dirty="0"/>
+              <a:t> </a:t>
+            </a:r>
+            <a:r>
+              <a:rPr lang="es-US" sz="2800" dirty="0" err="1"/>
+              <a:t>from</a:t>
+            </a:r>
+            <a:r>
+              <a:rPr lang="es-US" sz="2800" dirty="0"/>
+              <a:t> </a:t>
+            </a:r>
+            <a:r>
+              <a:rPr lang="es-US" sz="2800" dirty="0" err="1"/>
+              <a:t>those</a:t>
+            </a:r>
+            <a:r>
+              <a:rPr lang="es-US" sz="2800" dirty="0"/>
+              <a:t>  </a:t>
             </a:r>
           </a:p>
         </p:txBody>
@@ -6180,26 +6283,34 @@
           <a:lstStyle/>
           <a:p>
             <a:r>
+              <a:rPr lang="es-US" dirty="0" err="1"/>
+              <a:t>Reduced</a:t>
+            </a:r>
+            <a:r>
               <a:rPr lang="es-US" dirty="0"/>
-              <a:t>- Reduced to day-by-day data</a:t>
+              <a:t> to day-by-day data</a:t>
             </a:r>
           </a:p>
           <a:p>
             <a:r>
               <a:rPr lang="es-US" dirty="0"/>
-              <a:t>- Day Open, and Day Close</a:t>
+              <a:t>Day Open, and Day Close</a:t>
             </a:r>
           </a:p>
           <a:p>
             <a:r>
               <a:rPr lang="es-US" dirty="0"/>
-              <a:t>- 50 Day Moving Average</a:t>
-            </a:r>
-          </a:p>
-          <a:p>
+              <a:t>50 Day Moving Average</a:t>
+            </a:r>
+          </a:p>
+          <a:p>
+            <a:r>
+              <a:rPr lang="es-US" dirty="0" err="1"/>
+              <a:t>List</a:t>
+            </a:r>
             <a:r>
               <a:rPr lang="es-US" dirty="0"/>
-              <a:t>- List of duration periods in which the stock price was above 50-day MA for more than 2 days in a row</a:t>
+              <a:t> of duration periods in which the stock price was above 50-day MA for more than 2 days in a row</a:t>
             </a:r>
           </a:p>
         </p:txBody>
@@ -6491,17 +6602,109 @@
           <a:lstStyle/>
           <a:p>
             <a:r>
+              <a:rPr lang="es-US" dirty="0" err="1"/>
+              <a:t>From</a:t>
+            </a:r>
+            <a:r>
               <a:rPr lang="es-US" dirty="0"/>
-              <a:t>- From our analysis, we conclude that the movement of stock prices is </a:t>
+              <a:t> our analysis, we conclude that the movement of stock prices is </a:t>
             </a:r>
             <a:r>
               <a:rPr lang="es-US" b="1" dirty="0"/>
               <a:t>not </a:t>
             </a:r>
             <a:r>
-              <a:rPr lang="es-US" b="1"/>
-              <a:t>random.</a:t>
-            </a:r>
+              <a:rPr lang="es-US" b="1" dirty="0" err="1"/>
+              <a:t>random</a:t>
+            </a:r>
+            <a:r>
+              <a:rPr lang="es-US" b="1" dirty="0"/>
+              <a:t>.</a:t>
+            </a:r>
+          </a:p>
+          <a:p>
+            <a:r>
+              <a:rPr lang="es-US" b="1" dirty="0" err="1"/>
+              <a:t>The</a:t>
+            </a:r>
+            <a:r>
+              <a:rPr lang="es-US" b="1" dirty="0"/>
+              <a:t> stocks </a:t>
+            </a:r>
+            <a:r>
+              <a:rPr lang="es-US" b="1" dirty="0" err="1"/>
+              <a:t>that</a:t>
+            </a:r>
+            <a:r>
+              <a:rPr lang="es-US" b="1" dirty="0"/>
+              <a:t> </a:t>
+            </a:r>
+            <a:r>
+              <a:rPr lang="es-US" b="1" dirty="0" err="1"/>
+              <a:t>were</a:t>
+            </a:r>
+            <a:r>
+              <a:rPr lang="es-US" b="1" dirty="0"/>
+              <a:t> ”</a:t>
+            </a:r>
+            <a:r>
+              <a:rPr lang="es-US" b="1" dirty="0" err="1"/>
+              <a:t>mathematically</a:t>
+            </a:r>
+            <a:r>
+              <a:rPr lang="es-US" b="1" dirty="0"/>
+              <a:t> </a:t>
+            </a:r>
+            <a:r>
+              <a:rPr lang="es-US" b="1" dirty="0" err="1"/>
+              <a:t>stationary</a:t>
+            </a:r>
+            <a:r>
+              <a:rPr lang="es-US" b="1" dirty="0"/>
+              <a:t>” </a:t>
+            </a:r>
+            <a:r>
+              <a:rPr lang="es-US" b="1" dirty="0" err="1"/>
+              <a:t>did</a:t>
+            </a:r>
+            <a:r>
+              <a:rPr lang="es-US" b="1" dirty="0"/>
+              <a:t> </a:t>
+            </a:r>
+            <a:r>
+              <a:rPr lang="es-US" b="1" dirty="0" err="1"/>
+              <a:t>not</a:t>
+            </a:r>
+            <a:r>
+              <a:rPr lang="es-US" b="1" dirty="0"/>
+              <a:t> </a:t>
+            </a:r>
+            <a:r>
+              <a:rPr lang="es-US" b="1" dirty="0" err="1"/>
+              <a:t>pass</a:t>
+            </a:r>
+            <a:r>
+              <a:rPr lang="es-US" b="1" dirty="0"/>
+              <a:t> </a:t>
+            </a:r>
+            <a:r>
+              <a:rPr lang="es-US" b="1" dirty="0" err="1"/>
+              <a:t>the</a:t>
+            </a:r>
+            <a:r>
+              <a:rPr lang="es-US" b="1" dirty="0"/>
+              <a:t> human </a:t>
+            </a:r>
+            <a:r>
+              <a:rPr lang="es-US" b="1" dirty="0" err="1"/>
+              <a:t>eye</a:t>
+            </a:r>
+            <a:r>
+              <a:rPr lang="es-US" b="1" dirty="0"/>
+              <a:t> test </a:t>
+            </a:r>
+          </a:p>
+          <a:p>
             <a:endParaRPr lang="es-US" b="1" dirty="0"/>
           </a:p>
         </p:txBody>

--- a/Group1_Nifty500_Presentation.pptx
+++ b/Group1_Nifty500_Presentation.pptx
@@ -8,8 +8,9 @@
     <p:sldId id="256" r:id="rId2"/>
     <p:sldId id="257" r:id="rId3"/>
     <p:sldId id="258" r:id="rId4"/>
-    <p:sldId id="259" r:id="rId5"/>
-    <p:sldId id="260" r:id="rId6"/>
+    <p:sldId id="261" r:id="rId5"/>
+    <p:sldId id="259" r:id="rId6"/>
+    <p:sldId id="260" r:id="rId7"/>
   </p:sldIdLst>
   <p:sldSz cx="12192000" cy="6858000"/>
   <p:notesSz cx="6858000" cy="9144000"/>
@@ -310,7 +311,7 @@
           <a:bodyPr/>
           <a:lstStyle/>
           <a:p>
-            <a:endParaRPr lang="en-US"/>
+            <a:endParaRPr lang="en-US" dirty="0"/>
           </a:p>
         </p:txBody>
       </p:sp>
@@ -345,7 +346,7 @@
           <a:p>
             <a:fld id="{D39607A7-8386-47DB-8578-DDEDD194E5D4}" type="slidenum">
               <a:rPr lang="en-US" smtClean="0"/>
-              <a:t>‹Nº›</a:t>
+              <a:t>‹#›</a:t>
             </a:fld>
             <a:endParaRPr lang="en-US" dirty="0"/>
           </a:p>
@@ -627,7 +628,7 @@
             <a:lstStyle/>
             <a:p>
               <a:pPr algn="ctr"/>
-              <a:endParaRPr lang="en-US"/>
+              <a:endParaRPr lang="en-US" dirty="0"/>
             </a:p>
           </p:txBody>
         </p:sp>
@@ -1118,7 +1119,7 @@
               <a:lstStyle/>
               <a:p>
                 <a:pPr algn="ctr"/>
-                <a:endParaRPr lang="en-US">
+                <a:endParaRPr lang="en-US" dirty="0">
                   <a:solidFill>
                     <a:schemeClr val="tx1"/>
                   </a:solidFill>
@@ -1325,7 +1326,7 @@
               <a:rPr lang="en-US" smtClean="0"/>
               <a:t>12/8/22</a:t>
             </a:fld>
-            <a:endParaRPr lang="en-US"/>
+            <a:endParaRPr lang="en-US" dirty="0"/>
           </a:p>
         </p:txBody>
       </p:sp>
@@ -1358,7 +1359,7 @@
           <a:bodyPr/>
           <a:lstStyle/>
           <a:p>
-            <a:endParaRPr lang="en-US"/>
+            <a:endParaRPr lang="en-US" dirty="0"/>
           </a:p>
         </p:txBody>
       </p:sp>
@@ -1393,9 +1394,9 @@
           <a:p>
             <a:fld id="{D39607A7-8386-47DB-8578-DDEDD194E5D4}" type="slidenum">
               <a:rPr lang="en-US" smtClean="0"/>
-              <a:t>‹Nº›</a:t>
+              <a:t>‹#›</a:t>
             </a:fld>
-            <a:endParaRPr lang="en-US"/>
+            <a:endParaRPr lang="en-US" dirty="0"/>
           </a:p>
         </p:txBody>
       </p:sp>
@@ -1561,7 +1562,7 @@
               <a:rPr lang="en-US" smtClean="0"/>
               <a:t>12/8/22</a:t>
             </a:fld>
-            <a:endParaRPr lang="en-US"/>
+            <a:endParaRPr lang="en-US" dirty="0"/>
           </a:p>
         </p:txBody>
       </p:sp>
@@ -1594,7 +1595,7 @@
           <a:bodyPr/>
           <a:lstStyle/>
           <a:p>
-            <a:endParaRPr lang="en-US"/>
+            <a:endParaRPr lang="en-US" dirty="0"/>
           </a:p>
         </p:txBody>
       </p:sp>
@@ -1629,9 +1630,9 @@
           <a:p>
             <a:fld id="{D39607A7-8386-47DB-8578-DDEDD194E5D4}" type="slidenum">
               <a:rPr lang="en-US" smtClean="0"/>
-              <a:t>‹Nº›</a:t>
+              <a:t>‹#›</a:t>
             </a:fld>
-            <a:endParaRPr lang="en-US"/>
+            <a:endParaRPr lang="en-US" dirty="0"/>
           </a:p>
         </p:txBody>
       </p:sp>
@@ -1784,7 +1785,7 @@
               <a:rPr lang="en-US" smtClean="0"/>
               <a:t>12/8/22</a:t>
             </a:fld>
-            <a:endParaRPr lang="en-US"/>
+            <a:endParaRPr lang="en-US" dirty="0"/>
           </a:p>
         </p:txBody>
       </p:sp>
@@ -1817,7 +1818,7 @@
           <a:bodyPr/>
           <a:lstStyle/>
           <a:p>
-            <a:endParaRPr lang="en-US"/>
+            <a:endParaRPr lang="en-US" dirty="0"/>
           </a:p>
         </p:txBody>
       </p:sp>
@@ -1852,9 +1853,9 @@
           <a:p>
             <a:fld id="{D39607A7-8386-47DB-8578-DDEDD194E5D4}" type="slidenum">
               <a:rPr lang="en-US" smtClean="0"/>
-              <a:t>‹Nº›</a:t>
+              <a:t>‹#›</a:t>
             </a:fld>
-            <a:endParaRPr lang="en-US"/>
+            <a:endParaRPr lang="en-US" dirty="0"/>
           </a:p>
         </p:txBody>
       </p:sp>
@@ -2086,7 +2087,7 @@
               <a:rPr lang="en-US" smtClean="0"/>
               <a:t>12/8/22</a:t>
             </a:fld>
-            <a:endParaRPr lang="en-US"/>
+            <a:endParaRPr lang="en-US" dirty="0"/>
           </a:p>
         </p:txBody>
       </p:sp>
@@ -2119,7 +2120,7 @@
           <a:bodyPr/>
           <a:lstStyle/>
           <a:p>
-            <a:endParaRPr lang="en-US"/>
+            <a:endParaRPr lang="en-US" dirty="0"/>
           </a:p>
         </p:txBody>
       </p:sp>
@@ -2154,9 +2155,9 @@
           <a:p>
             <a:fld id="{D39607A7-8386-47DB-8578-DDEDD194E5D4}" type="slidenum">
               <a:rPr lang="en-US" smtClean="0"/>
-              <a:t>‹Nº›</a:t>
+              <a:t>‹#›</a:t>
             </a:fld>
-            <a:endParaRPr lang="en-US"/>
+            <a:endParaRPr lang="en-US" dirty="0"/>
           </a:p>
         </p:txBody>
       </p:sp>
@@ -3032,7 +3033,7 @@
               <a:lstStyle/>
               <a:p>
                 <a:pPr algn="ctr"/>
-                <a:endParaRPr lang="en-US">
+                <a:endParaRPr lang="en-US" dirty="0">
                   <a:solidFill>
                     <a:schemeClr val="tx1"/>
                   </a:solidFill>
@@ -3276,7 +3277,7 @@
             <a:lstStyle/>
             <a:p>
               <a:pPr algn="ctr"/>
-              <a:endParaRPr lang="en-US">
+              <a:endParaRPr lang="en-US" dirty="0">
                 <a:solidFill>
                   <a:schemeClr val="tx1"/>
                 </a:solidFill>
@@ -3550,7 +3551,7 @@
               <a:rPr lang="en-US" smtClean="0"/>
               <a:t>12/8/22</a:t>
             </a:fld>
-            <a:endParaRPr lang="en-US"/>
+            <a:endParaRPr lang="en-US" dirty="0"/>
           </a:p>
         </p:txBody>
       </p:sp>
@@ -3583,7 +3584,7 @@
           <a:bodyPr/>
           <a:lstStyle/>
           <a:p>
-            <a:endParaRPr lang="en-US"/>
+            <a:endParaRPr lang="en-US" dirty="0"/>
           </a:p>
         </p:txBody>
       </p:sp>
@@ -3618,9 +3619,9 @@
           <a:p>
             <a:fld id="{D39607A7-8386-47DB-8578-DDEDD194E5D4}" type="slidenum">
               <a:rPr lang="en-US" smtClean="0"/>
-              <a:t>‹Nº›</a:t>
+              <a:t>‹#›</a:t>
             </a:fld>
-            <a:endParaRPr lang="en-US"/>
+            <a:endParaRPr lang="en-US" dirty="0"/>
           </a:p>
         </p:txBody>
       </p:sp>
@@ -4017,7 +4018,7 @@
               <a:rPr lang="en-US" smtClean="0"/>
               <a:t>12/8/22</a:t>
             </a:fld>
-            <a:endParaRPr lang="en-US"/>
+            <a:endParaRPr lang="en-US" dirty="0"/>
           </a:p>
         </p:txBody>
       </p:sp>
@@ -4050,7 +4051,7 @@
           <a:bodyPr/>
           <a:lstStyle/>
           <a:p>
-            <a:endParaRPr lang="en-US"/>
+            <a:endParaRPr lang="en-US" dirty="0"/>
           </a:p>
         </p:txBody>
       </p:sp>
@@ -4085,9 +4086,9 @@
           <a:p>
             <a:fld id="{D39607A7-8386-47DB-8578-DDEDD194E5D4}" type="slidenum">
               <a:rPr lang="en-US" smtClean="0"/>
-              <a:t>‹Nº›</a:t>
+              <a:t>‹#›</a:t>
             </a:fld>
-            <a:endParaRPr lang="en-US"/>
+            <a:endParaRPr lang="en-US" dirty="0"/>
           </a:p>
         </p:txBody>
       </p:sp>
@@ -4192,7 +4193,7 @@
               <a:rPr lang="en-US" smtClean="0"/>
               <a:t>12/8/22</a:t>
             </a:fld>
-            <a:endParaRPr lang="en-US"/>
+            <a:endParaRPr lang="en-US" dirty="0"/>
           </a:p>
         </p:txBody>
       </p:sp>
@@ -4225,7 +4226,7 @@
           <a:bodyPr/>
           <a:lstStyle/>
           <a:p>
-            <a:endParaRPr lang="en-US"/>
+            <a:endParaRPr lang="en-US" dirty="0"/>
           </a:p>
         </p:txBody>
       </p:sp>
@@ -4260,9 +4261,9 @@
           <a:p>
             <a:fld id="{D39607A7-8386-47DB-8578-DDEDD194E5D4}" type="slidenum">
               <a:rPr lang="en-US" smtClean="0"/>
-              <a:t>‹Nº›</a:t>
+              <a:t>‹#›</a:t>
             </a:fld>
-            <a:endParaRPr lang="en-US"/>
+            <a:endParaRPr lang="en-US" dirty="0"/>
           </a:p>
         </p:txBody>
       </p:sp>
@@ -4329,7 +4330,7 @@
               <a:rPr lang="en-US" smtClean="0"/>
               <a:t>12/8/22</a:t>
             </a:fld>
-            <a:endParaRPr lang="en-US"/>
+            <a:endParaRPr lang="en-US" dirty="0"/>
           </a:p>
         </p:txBody>
       </p:sp>
@@ -4362,7 +4363,7 @@
           <a:bodyPr/>
           <a:lstStyle/>
           <a:p>
-            <a:endParaRPr lang="en-US"/>
+            <a:endParaRPr lang="en-US" dirty="0"/>
           </a:p>
         </p:txBody>
       </p:sp>
@@ -4397,9 +4398,9 @@
           <a:p>
             <a:fld id="{D39607A7-8386-47DB-8578-DDEDD194E5D4}" type="slidenum">
               <a:rPr lang="en-US" smtClean="0"/>
-              <a:t>‹Nº›</a:t>
+              <a:t>‹#›</a:t>
             </a:fld>
-            <a:endParaRPr lang="en-US"/>
+            <a:endParaRPr lang="en-US" dirty="0"/>
           </a:p>
         </p:txBody>
       </p:sp>
@@ -4679,7 +4680,7 @@
               <a:rPr lang="en-US" smtClean="0"/>
               <a:t>12/8/22</a:t>
             </a:fld>
-            <a:endParaRPr lang="en-US"/>
+            <a:endParaRPr lang="en-US" dirty="0"/>
           </a:p>
         </p:txBody>
       </p:sp>
@@ -4712,7 +4713,7 @@
           <a:bodyPr/>
           <a:lstStyle/>
           <a:p>
-            <a:endParaRPr lang="en-US"/>
+            <a:endParaRPr lang="en-US" dirty="0"/>
           </a:p>
         </p:txBody>
       </p:sp>
@@ -4747,9 +4748,9 @@
           <a:p>
             <a:fld id="{D39607A7-8386-47DB-8578-DDEDD194E5D4}" type="slidenum">
               <a:rPr lang="en-US" smtClean="0"/>
-              <a:t>‹Nº›</a:t>
+              <a:t>‹#›</a:t>
             </a:fld>
-            <a:endParaRPr lang="en-US"/>
+            <a:endParaRPr lang="en-US" dirty="0"/>
           </a:p>
         </p:txBody>
       </p:sp>
@@ -4887,10 +4888,9 @@
           </a:lstStyle>
           <a:p>
             <a:r>
-              <a:rPr lang="en-US"/>
+              <a:rPr lang="en-US" dirty="0"/>
               <a:t>Click icon to add picture</a:t>
             </a:r>
-            <a:endParaRPr lang="en-US" dirty="0"/>
           </a:p>
         </p:txBody>
       </p:sp>
@@ -5000,7 +5000,7 @@
               <a:rPr lang="en-US" smtClean="0"/>
               <a:t>12/8/22</a:t>
             </a:fld>
-            <a:endParaRPr lang="en-US"/>
+            <a:endParaRPr lang="en-US" dirty="0"/>
           </a:p>
         </p:txBody>
       </p:sp>
@@ -5033,7 +5033,7 @@
           <a:bodyPr/>
           <a:lstStyle/>
           <a:p>
-            <a:endParaRPr lang="en-US"/>
+            <a:endParaRPr lang="en-US" dirty="0"/>
           </a:p>
         </p:txBody>
       </p:sp>
@@ -5068,9 +5068,9 @@
           <a:p>
             <a:fld id="{D39607A7-8386-47DB-8578-DDEDD194E5D4}" type="slidenum">
               <a:rPr lang="en-US" smtClean="0"/>
-              <a:t>‹Nº›</a:t>
+              <a:t>‹#›</a:t>
             </a:fld>
-            <a:endParaRPr lang="en-US"/>
+            <a:endParaRPr lang="en-US" dirty="0"/>
           </a:p>
         </p:txBody>
       </p:sp>
@@ -5355,7 +5355,7 @@
             <a:fld id="{D39607A7-8386-47DB-8578-DDEDD194E5D4}" type="slidenum">
               <a:rPr lang="en-US" smtClean="0"/>
               <a:pPr/>
-              <a:t>‹Nº›</a:t>
+              <a:t>‹#›</a:t>
             </a:fld>
             <a:endParaRPr lang="en-US" dirty="0"/>
           </a:p>
@@ -5802,7 +5802,7 @@
           <a:lstStyle/>
           <a:p>
             <a:pPr algn="ctr"/>
-            <a:endParaRPr lang="en-US"/>
+            <a:endParaRPr lang="en-US" dirty="0"/>
           </a:p>
         </p:txBody>
       </p:sp>
@@ -5835,12 +5835,8 @@
           <a:lstStyle/>
           <a:p>
             <a:r>
-              <a:rPr lang="es-US" dirty="0" err="1"/>
-              <a:t>Nifty</a:t>
-            </a:r>
-            <a:r>
               <a:rPr lang="es-US" dirty="0"/>
-              <a:t> 100 Stocks</a:t>
+              <a:t>Nifty 100 Stocks</a:t>
             </a:r>
           </a:p>
         </p:txBody>
@@ -5874,42 +5870,9 @@
           <a:lstStyle/>
           <a:p>
             <a:r>
-              <a:rPr lang="es-US" dirty="0" err="1"/>
-              <a:t>By</a:t>
-            </a:r>
-            <a:r>
               <a:rPr lang="es-US" dirty="0"/>
-              <a:t>: Marwan Lloyd, Max </a:t>
-            </a:r>
-            <a:r>
-              <a:rPr lang="es-US" dirty="0" err="1"/>
-              <a:t>Schleck</a:t>
-            </a:r>
-            <a:r>
-              <a:rPr lang="es-US" dirty="0"/>
-              <a:t>, Skylar </a:t>
-            </a:r>
-            <a:r>
-              <a:rPr lang="es-US" dirty="0" err="1"/>
-              <a:t>Shafer</a:t>
-            </a:r>
-            <a:r>
-              <a:rPr lang="es-US" dirty="0"/>
-              <a:t>, Rachel </a:t>
-            </a:r>
-            <a:r>
-              <a:rPr lang="es-US" dirty="0" err="1"/>
-              <a:t>Studer</a:t>
-            </a:r>
-            <a:r>
-              <a:rPr lang="es-US" dirty="0"/>
-              <a:t>, James </a:t>
-            </a:r>
-            <a:r>
-              <a:rPr lang="es-US" dirty="0" err="1"/>
-              <a:t>Wan</a:t>
-            </a:r>
-            <a:endParaRPr lang="es-US" dirty="0"/>
+              <a:t>By: Marwan Lloyd, Max Schleck, Skylar Shafer, Rachel Studer, James Wan</a:t>
+            </a:r>
           </a:p>
         </p:txBody>
       </p:sp>
@@ -6046,10 +6009,9 @@
           <a:lstStyle/>
           <a:p>
             <a:r>
-              <a:rPr lang="es-US" dirty="0" err="1"/>
+              <a:rPr lang="es-US" dirty="0"/>
               <a:t>Dataset</a:t>
             </a:r>
-            <a:endParaRPr lang="es-US" dirty="0"/>
           </a:p>
         </p:txBody>
       </p:sp>
@@ -6077,123 +6039,43 @@
           <a:lstStyle/>
           <a:p>
             <a:r>
-              <a:rPr lang="es-US" sz="2800" dirty="0" err="1"/>
-              <a:t>Nifty</a:t>
-            </a:r>
-            <a:r>
-              <a:rPr lang="es-US" sz="2800" dirty="0"/>
-              <a:t> 100, a set </a:t>
-            </a:r>
-            <a:r>
-              <a:rPr lang="es-US" sz="2800" dirty="0" err="1"/>
-              <a:t>of</a:t>
-            </a:r>
-            <a:r>
-              <a:rPr lang="es-US" sz="2800" dirty="0"/>
-              <a:t> stocks in India</a:t>
-            </a:r>
-          </a:p>
-          <a:p>
-            <a:r>
-              <a:rPr lang="es-US" sz="2800" dirty="0"/>
+              <a:rPr lang="es-US" sz="2800" dirty="0">
+                <a:solidFill>
+                  <a:srgbClr val="FFFFFF"/>
+                </a:solidFill>
+              </a:rPr>
+              <a:t>Nifty 100, a set of stocks in India</a:t>
+            </a:r>
+          </a:p>
+          <a:p>
+            <a:r>
+              <a:rPr lang="es-US" sz="2800" dirty="0">
+                <a:solidFill>
+                  <a:srgbClr val="FFFFFF"/>
+                </a:solidFill>
+              </a:rPr>
               <a:t>Time of data collection ranges from 2015 to 2021</a:t>
             </a:r>
           </a:p>
           <a:p>
             <a:r>
-              <a:rPr lang="es-US" sz="2800" dirty="0"/>
+              <a:rPr lang="es-US" sz="2800" dirty="0">
+                <a:solidFill>
+                  <a:srgbClr val="FFFFFF"/>
+                </a:solidFill>
+              </a:rPr>
               <a:t>60 Columns, minute by minute data</a:t>
             </a:r>
           </a:p>
           <a:p>
             <a:pPr lvl="2"/>
             <a:r>
-              <a:rPr lang="es-US" sz="2800" dirty="0" err="1"/>
-              <a:t>For</a:t>
-            </a:r>
-            <a:r>
-              <a:rPr lang="es-US" sz="2800" dirty="0"/>
-              <a:t> </a:t>
-            </a:r>
-            <a:r>
-              <a:rPr lang="es-US" sz="2800" dirty="0" err="1"/>
-              <a:t>analysis</a:t>
-            </a:r>
-            <a:r>
-              <a:rPr lang="es-US" sz="2800" dirty="0"/>
-              <a:t>, </a:t>
-            </a:r>
-            <a:r>
-              <a:rPr lang="es-US" sz="2800" dirty="0" err="1"/>
-              <a:t>we</a:t>
-            </a:r>
-            <a:r>
-              <a:rPr lang="es-US" sz="2800" dirty="0"/>
-              <a:t> </a:t>
-            </a:r>
-            <a:r>
-              <a:rPr lang="es-US" sz="2800" dirty="0" err="1"/>
-              <a:t>used</a:t>
-            </a:r>
-            <a:r>
-              <a:rPr lang="es-US" sz="2800" dirty="0"/>
-              <a:t> </a:t>
-            </a:r>
-            <a:r>
-              <a:rPr lang="es-US" sz="2800" dirty="0" err="1"/>
-              <a:t>the</a:t>
-            </a:r>
-            <a:r>
-              <a:rPr lang="es-US" sz="2800" dirty="0"/>
-              <a:t> standard stock </a:t>
-            </a:r>
-            <a:r>
-              <a:rPr lang="es-US" sz="2800" dirty="0" err="1"/>
-              <a:t>information</a:t>
-            </a:r>
-            <a:r>
-              <a:rPr lang="es-US" sz="2800" dirty="0"/>
-              <a:t> </a:t>
-            </a:r>
-            <a:r>
-              <a:rPr lang="es-US" sz="2800" dirty="0" err="1"/>
-              <a:t>columns</a:t>
-            </a:r>
-            <a:r>
-              <a:rPr lang="es-US" sz="2800" dirty="0"/>
-              <a:t> and </a:t>
-            </a:r>
-            <a:r>
-              <a:rPr lang="es-US" sz="2800" dirty="0" err="1"/>
-              <a:t>constructed</a:t>
-            </a:r>
-            <a:r>
-              <a:rPr lang="es-US" sz="2800" dirty="0"/>
-              <a:t> </a:t>
-            </a:r>
-            <a:r>
-              <a:rPr lang="es-US" sz="2800" dirty="0" err="1"/>
-              <a:t>several</a:t>
-            </a:r>
-            <a:r>
-              <a:rPr lang="es-US" sz="2800" dirty="0"/>
-              <a:t> </a:t>
-            </a:r>
-            <a:r>
-              <a:rPr lang="es-US" sz="2800" dirty="0" err="1"/>
-              <a:t>from</a:t>
-            </a:r>
-            <a:r>
-              <a:rPr lang="es-US" sz="2800" dirty="0"/>
-              <a:t> </a:t>
-            </a:r>
-            <a:r>
-              <a:rPr lang="es-US" sz="2800" dirty="0" err="1"/>
-              <a:t>those</a:t>
-            </a:r>
-            <a:r>
-              <a:rPr lang="es-US" sz="2800" dirty="0"/>
-              <a:t>  </a:t>
+              <a:rPr lang="es-US" sz="2800" dirty="0">
+                <a:solidFill>
+                  <a:srgbClr val="FFFFFF"/>
+                </a:solidFill>
+              </a:rPr>
+              <a:t>For analysis, we used the standard stock information columns and constructed several day values from those  </a:t>
             </a:r>
           </a:p>
         </p:txBody>
@@ -6251,13 +6133,8 @@
           <a:p>
             <a:r>
               <a:rPr lang="es-US" dirty="0"/>
-              <a:t>Data </a:t>
-            </a:r>
-            <a:r>
-              <a:rPr lang="es-US" dirty="0" err="1"/>
-              <a:t>Handling</a:t>
-            </a:r>
-            <a:endParaRPr lang="es-US" dirty="0"/>
+              <a:t>Data Handling</a:t>
+            </a:r>
           </a:p>
         </p:txBody>
       </p:sp>
@@ -6279,67 +6156,120 @@
         </p:nvSpPr>
         <p:spPr/>
         <p:txBody>
-          <a:bodyPr/>
+          <a:bodyPr anchor="ctr"/>
           <a:lstStyle/>
           <a:p>
             <a:r>
-              <a:rPr lang="es-US" dirty="0" err="1"/>
-              <a:t>Reduced</a:t>
-            </a:r>
-            <a:r>
-              <a:rPr lang="es-US" dirty="0"/>
-              <a:t> to day-by-day data</a:t>
-            </a:r>
-          </a:p>
-          <a:p>
-            <a:r>
-              <a:rPr lang="es-US" dirty="0"/>
+              <a:rPr lang="es-US" dirty="0">
+                <a:solidFill>
+                  <a:srgbClr val="FFFFFF"/>
+                </a:solidFill>
+              </a:rPr>
+              <a:t>Reduced to day-by-day data</a:t>
+            </a:r>
+          </a:p>
+          <a:p>
+            <a:r>
+              <a:rPr lang="es-US" dirty="0">
+                <a:solidFill>
+                  <a:srgbClr val="FFFFFF"/>
+                </a:solidFill>
+              </a:rPr>
               <a:t>Day Open, and Day Close</a:t>
             </a:r>
           </a:p>
           <a:p>
             <a:r>
-              <a:rPr lang="es-US" dirty="0"/>
+              <a:rPr lang="es-US" dirty="0">
+                <a:solidFill>
+                  <a:srgbClr val="FFFFFF"/>
+                </a:solidFill>
+              </a:rPr>
               <a:t>50 Day Moving Average</a:t>
             </a:r>
           </a:p>
           <a:p>
             <a:r>
-              <a:rPr lang="es-US" dirty="0" err="1"/>
-              <a:t>List</a:t>
-            </a:r>
-            <a:r>
-              <a:rPr lang="es-US" dirty="0"/>
-              <a:t> of duration periods in which the stock price was above 50-day MA for more than 2 days in a row</a:t>
-            </a:r>
-          </a:p>
-        </p:txBody>
-      </p:sp>
-      <p:sp>
-        <p:nvSpPr>
-          <p:cNvPr id="9" name="Marcador de contenido 8">
-            <a:extLst>
-              <a:ext uri="{FF2B5EF4-FFF2-40B4-BE49-F238E27FC236}">
-                <a16:creationId xmlns:a16="http://schemas.microsoft.com/office/drawing/2014/main" id="{B99AE8AE-5B91-895A-495F-7584F7F6E437}"/>
-              </a:ext>
-            </a:extLst>
-          </p:cNvPr>
-          <p:cNvSpPr>
-            <a:spLocks noGrp="1"/>
-          </p:cNvSpPr>
+              <a:rPr lang="es-US" dirty="0">
+                <a:solidFill>
+                  <a:srgbClr val="FFFFFF"/>
+                </a:solidFill>
+              </a:rPr>
+              <a:t>List of duration periods in which the stock price was above 50-day MA for more than 2 days in a row</a:t>
+            </a:r>
+          </a:p>
+        </p:txBody>
+      </p:sp>
+      <p:pic>
+        <p:nvPicPr>
+          <p:cNvPr id="4" name="Content Placeholder 3" descr="Chart, line chart&#10;&#10;Description automatically generated">
+            <a:extLst>
+              <a:ext uri="{FF2B5EF4-FFF2-40B4-BE49-F238E27FC236}">
+                <a16:creationId xmlns:a16="http://schemas.microsoft.com/office/drawing/2014/main" id="{CEA4F0CE-3D2C-AF44-7E23-903842092F92}"/>
+              </a:ext>
+            </a:extLst>
+          </p:cNvPr>
+          <p:cNvPicPr>
+            <a:picLocks noGrp="1" noChangeAspect="1"/>
+          </p:cNvPicPr>
           <p:nvPr>
             <p:ph sz="half" idx="2"/>
           </p:nvPr>
-        </p:nvSpPr>
-        <p:spPr/>
-        <p:txBody>
-          <a:bodyPr/>
-          <a:lstStyle/>
-          <a:p>
-            <a:endParaRPr lang="es-US" dirty="0"/>
-          </a:p>
-        </p:txBody>
-      </p:sp>
+        </p:nvPicPr>
+        <p:blipFill rotWithShape="1">
+          <a:blip r:embed="rId2"/>
+          <a:srcRect l="71834" t="5176" r="12918" b="38002"/>
+          <a:stretch/>
+        </p:blipFill>
+        <p:spPr>
+          <a:xfrm>
+            <a:off x="8563239" y="1011238"/>
+            <a:ext cx="2184709" cy="5106422"/>
+          </a:xfrm>
+        </p:spPr>
+      </p:pic>
+      <p:cxnSp>
+        <p:nvCxnSpPr>
+          <p:cNvPr id="6" name="Straight Arrow Connector 5">
+            <a:extLst>
+              <a:ext uri="{FF2B5EF4-FFF2-40B4-BE49-F238E27FC236}">
+                <a16:creationId xmlns:a16="http://schemas.microsoft.com/office/drawing/2014/main" id="{87718441-E0F5-9E47-5C36-5BDDA57BB915}"/>
+              </a:ext>
+            </a:extLst>
+          </p:cNvPr>
+          <p:cNvCxnSpPr/>
+          <p:nvPr/>
+        </p:nvCxnSpPr>
+        <p:spPr>
+          <a:xfrm>
+            <a:off x="4856813" y="4991725"/>
+            <a:ext cx="3192905" cy="0"/>
+          </a:xfrm>
+          <a:prstGeom prst="straightConnector1">
+            <a:avLst/>
+          </a:prstGeom>
+          <a:ln w="57150">
+            <a:solidFill>
+              <a:schemeClr val="accent6"/>
+            </a:solidFill>
+            <a:tailEnd type="triangle"/>
+          </a:ln>
+        </p:spPr>
+        <p:style>
+          <a:lnRef idx="1">
+            <a:schemeClr val="accent1"/>
+          </a:lnRef>
+          <a:fillRef idx="0">
+            <a:schemeClr val="accent1"/>
+          </a:fillRef>
+          <a:effectRef idx="0">
+            <a:schemeClr val="accent1"/>
+          </a:effectRef>
+          <a:fontRef idx="minor">
+            <a:schemeClr val="tx1"/>
+          </a:fontRef>
+        </p:style>
+      </p:cxnSp>
     </p:spTree>
     <p:extLst>
       <p:ext uri="{BB962C8B-B14F-4D97-AF65-F5344CB8AC3E}">
@@ -6356,6 +6286,14 @@
 <file path=ppt/slides/slide4.xml><?xml version="1.0" encoding="utf-8"?>
 <p:sld xmlns:a="http://schemas.openxmlformats.org/drawingml/2006/main" xmlns:r="http://schemas.openxmlformats.org/officeDocument/2006/relationships" xmlns:p="http://schemas.openxmlformats.org/presentationml/2006/main">
   <p:cSld>
+    <p:bg>
+      <p:bgPr>
+        <a:solidFill>
+          <a:schemeClr val="bg2"/>
+        </a:solidFill>
+        <a:effectLst/>
+      </p:bgPr>
+    </p:bg>
     <p:spTree>
       <p:nvGrpSpPr>
         <p:cNvPr id="1" name=""/>
@@ -6370,6 +6308,353 @@
           <a:chExt cx="0" cy="0"/>
         </a:xfrm>
       </p:grpSpPr>
+      <p:sp useBgFill="1">
+        <p:nvSpPr>
+          <p:cNvPr id="8" name="Rectangle 7">
+            <a:extLst>
+              <a:ext uri="{FF2B5EF4-FFF2-40B4-BE49-F238E27FC236}">
+                <a16:creationId xmlns:a16="http://schemas.microsoft.com/office/drawing/2014/main" id="{EEE96A74-B62B-4642-AB22-7776A5F48CE7}"/>
+              </a:ext>
+              <a:ext uri="{C183D7F6-B498-43B3-948B-1728B52AA6E4}">
+                <adec:decorative xmlns:adec="http://schemas.microsoft.com/office/drawing/2017/decorative" val="1"/>
+              </a:ext>
+            </a:extLst>
+          </p:cNvPr>
+          <p:cNvSpPr>
+            <a:spLocks noGrp="1" noRot="1" noChangeAspect="1" noMove="1" noResize="1" noEditPoints="1" noAdjustHandles="1" noChangeArrowheads="1" noChangeShapeType="1" noTextEdit="1"/>
+          </p:cNvSpPr>
+          <p:nvPr>
+            <p:extLst>
+              <p:ext uri="{386F3935-93C4-4BCD-93E2-E3B085C9AB24}">
+                <p16:designElem xmlns:p16="http://schemas.microsoft.com/office/powerpoint/2015/main" val="1"/>
+              </p:ext>
+            </p:extLst>
+          </p:nvPr>
+        </p:nvSpPr>
+        <p:spPr>
+          <a:xfrm>
+            <a:off x="0" y="0"/>
+            <a:ext cx="12192000" cy="6858000"/>
+          </a:xfrm>
+          <a:prstGeom prst="rect">
+            <a:avLst/>
+          </a:prstGeom>
+          <a:ln w="12700" cap="flat" cmpd="sng" algn="ctr">
+            <a:noFill/>
+            <a:prstDash val="solid"/>
+            <a:miter lim="800000"/>
+          </a:ln>
+          <a:effectLst/>
+          <a:extLst>
+            <a:ext uri="{91240B29-F687-4F45-9708-019B960494DF}">
+              <a14:hiddenLine xmlns:a14="http://schemas.microsoft.com/office/drawing/2010/main" w="12700" cap="flat" cmpd="sng" algn="ctr">
+                <a:solidFill>
+                  <a:schemeClr val="accent1">
+                    <a:shade val="50000"/>
+                  </a:schemeClr>
+                </a:solidFill>
+                <a:prstDash val="solid"/>
+                <a:miter lim="800000"/>
+              </a14:hiddenLine>
+            </a:ext>
+          </a:extLst>
+        </p:spPr>
+        <p:style>
+          <a:lnRef idx="2">
+            <a:schemeClr val="accent1">
+              <a:shade val="50000"/>
+            </a:schemeClr>
+          </a:lnRef>
+          <a:fillRef idx="1">
+            <a:schemeClr val="accent1"/>
+          </a:fillRef>
+          <a:effectRef idx="0">
+            <a:schemeClr val="accent1"/>
+          </a:effectRef>
+          <a:fontRef idx="minor">
+            <a:schemeClr val="lt1"/>
+          </a:fontRef>
+        </p:style>
+        <p:txBody>
+          <a:bodyPr rtlCol="0" anchor="ctr"/>
+          <a:lstStyle/>
+          <a:p>
+            <a:pPr algn="ctr"/>
+            <a:endParaRPr lang="en-US"/>
+          </a:p>
+        </p:txBody>
+      </p:sp>
+      <p:sp>
+        <p:nvSpPr>
+          <p:cNvPr id="2" name="Title 1">
+            <a:extLst>
+              <a:ext uri="{FF2B5EF4-FFF2-40B4-BE49-F238E27FC236}">
+                <a16:creationId xmlns:a16="http://schemas.microsoft.com/office/drawing/2014/main" id="{34082205-D705-DE48-E7AB-9DE7154CED23}"/>
+              </a:ext>
+            </a:extLst>
+          </p:cNvPr>
+          <p:cNvSpPr>
+            <a:spLocks noGrp="1"/>
+          </p:cNvSpPr>
+          <p:nvPr>
+            <p:ph type="title"/>
+          </p:nvPr>
+        </p:nvSpPr>
+        <p:spPr>
+          <a:xfrm>
+            <a:off x="1080000" y="1084263"/>
+            <a:ext cx="4457200" cy="4689475"/>
+          </a:xfrm>
+        </p:spPr>
+        <p:txBody>
+          <a:bodyPr anchor="ctr">
+            <a:normAutofit/>
+          </a:bodyPr>
+          <a:lstStyle/>
+          <a:p>
+            <a:pPr algn="ctr"/>
+            <a:r>
+              <a:rPr lang="en-US" dirty="0"/>
+              <a:t>Parallel Processing</a:t>
+            </a:r>
+          </a:p>
+        </p:txBody>
+      </p:sp>
+      <p:cxnSp>
+        <p:nvCxnSpPr>
+          <p:cNvPr id="10" name="Straight Connector 9">
+            <a:extLst>
+              <a:ext uri="{FF2B5EF4-FFF2-40B4-BE49-F238E27FC236}">
+                <a16:creationId xmlns:a16="http://schemas.microsoft.com/office/drawing/2014/main" id="{3A513CAD-9784-4D35-BAF9-1F7DDD697BDB}"/>
+              </a:ext>
+              <a:ext uri="{C183D7F6-B498-43B3-948B-1728B52AA6E4}">
+                <adec:decorative xmlns:adec="http://schemas.microsoft.com/office/drawing/2017/decorative" val="1"/>
+              </a:ext>
+            </a:extLst>
+          </p:cNvPr>
+          <p:cNvCxnSpPr>
+            <a:cxnSpLocks noGrp="1" noRot="1" noChangeAspect="1" noMove="1" noResize="1" noEditPoints="1" noAdjustHandles="1" noChangeArrowheads="1" noChangeShapeType="1"/>
+          </p:cNvCxnSpPr>
+          <p:nvPr>
+            <p:extLst>
+              <p:ext uri="{386F3935-93C4-4BCD-93E2-E3B085C9AB24}">
+                <p16:designElem xmlns:p16="http://schemas.microsoft.com/office/powerpoint/2015/main" val="1"/>
+              </p:ext>
+            </p:extLst>
+          </p:nvPr>
+        </p:nvCxnSpPr>
+        <p:spPr>
+          <a:xfrm rot="5400000">
+            <a:off x="5826000" y="3429000"/>
+            <a:ext cx="540000" cy="0"/>
+          </a:xfrm>
+          <a:prstGeom prst="line">
+            <a:avLst/>
+          </a:prstGeom>
+          <a:ln w="12700">
+            <a:solidFill>
+              <a:schemeClr val="tx1"/>
+            </a:solidFill>
+          </a:ln>
+        </p:spPr>
+        <p:style>
+          <a:lnRef idx="1">
+            <a:schemeClr val="accent1"/>
+          </a:lnRef>
+          <a:fillRef idx="0">
+            <a:schemeClr val="accent1"/>
+          </a:fillRef>
+          <a:effectRef idx="0">
+            <a:schemeClr val="accent1"/>
+          </a:effectRef>
+          <a:fontRef idx="minor">
+            <a:schemeClr val="tx1"/>
+          </a:fontRef>
+        </p:style>
+      </p:cxnSp>
+      <p:sp>
+        <p:nvSpPr>
+          <p:cNvPr id="3" name="Content Placeholder 2">
+            <a:extLst>
+              <a:ext uri="{FF2B5EF4-FFF2-40B4-BE49-F238E27FC236}">
+                <a16:creationId xmlns:a16="http://schemas.microsoft.com/office/drawing/2014/main" id="{9312F22D-7191-FB99-1ABA-0CD1BC8AF041}"/>
+              </a:ext>
+            </a:extLst>
+          </p:cNvPr>
+          <p:cNvSpPr>
+            <a:spLocks noGrp="1"/>
+          </p:cNvSpPr>
+          <p:nvPr>
+            <p:ph idx="1"/>
+          </p:nvPr>
+        </p:nvSpPr>
+        <p:spPr>
+          <a:xfrm>
+            <a:off x="6654801" y="1079499"/>
+            <a:ext cx="4451350" cy="4689476"/>
+          </a:xfrm>
+        </p:spPr>
+        <p:txBody>
+          <a:bodyPr anchor="ctr">
+            <a:normAutofit/>
+          </a:bodyPr>
+          <a:lstStyle/>
+          <a:p>
+            <a:r>
+              <a:rPr lang="en-US" dirty="0">
+                <a:solidFill>
+                  <a:srgbClr val="FFFFFF"/>
+                </a:solidFill>
+              </a:rPr>
+              <a:t>100 jobs</a:t>
+            </a:r>
+          </a:p>
+          <a:p>
+            <a:r>
+              <a:rPr lang="en-US" dirty="0">
+                <a:solidFill>
+                  <a:srgbClr val="FFFFFF"/>
+                </a:solidFill>
+              </a:rPr>
+              <a:t>Ran for 24 min each</a:t>
+            </a:r>
+          </a:p>
+          <a:p>
+            <a:r>
+              <a:rPr lang="en-US" dirty="0">
+                <a:solidFill>
+                  <a:srgbClr val="FFFFFF"/>
+                </a:solidFill>
+              </a:rPr>
+              <a:t>3.31 MB of Memory</a:t>
+            </a:r>
+          </a:p>
+          <a:p>
+            <a:r>
+              <a:rPr lang="en-US" dirty="0">
+                <a:solidFill>
+                  <a:srgbClr val="FFFFFF"/>
+                </a:solidFill>
+              </a:rPr>
+              <a:t>1.14 GB of Disk space</a:t>
+            </a:r>
+          </a:p>
+        </p:txBody>
+      </p:sp>
+    </p:spTree>
+    <p:extLst>
+      <p:ext uri="{BB962C8B-B14F-4D97-AF65-F5344CB8AC3E}">
+        <p14:creationId xmlns:p14="http://schemas.microsoft.com/office/powerpoint/2010/main" val="3074994107"/>
+      </p:ext>
+    </p:extLst>
+  </p:cSld>
+  <p:clrMapOvr>
+    <a:masterClrMapping/>
+  </p:clrMapOvr>
+</p:sld>
+</file>
+
+<file path=ppt/slides/slide5.xml><?xml version="1.0" encoding="utf-8"?>
+<p:sld xmlns:a="http://schemas.openxmlformats.org/drawingml/2006/main" xmlns:r="http://schemas.openxmlformats.org/officeDocument/2006/relationships" xmlns:p="http://schemas.openxmlformats.org/presentationml/2006/main">
+  <p:cSld>
+    <p:bg>
+      <p:bgPr>
+        <a:solidFill>
+          <a:schemeClr val="bg2"/>
+        </a:solidFill>
+        <a:effectLst/>
+      </p:bgPr>
+    </p:bg>
+    <p:spTree>
+      <p:nvGrpSpPr>
+        <p:cNvPr id="1" name=""/>
+        <p:cNvGrpSpPr/>
+        <p:nvPr/>
+      </p:nvGrpSpPr>
+      <p:grpSpPr>
+        <a:xfrm>
+          <a:off x="0" y="0"/>
+          <a:ext cx="0" cy="0"/>
+          <a:chOff x="0" y="0"/>
+          <a:chExt cx="0" cy="0"/>
+        </a:xfrm>
+      </p:grpSpPr>
+      <p:sp useBgFill="1">
+        <p:nvSpPr>
+          <p:cNvPr id="10" name="Rectangle 9">
+            <a:extLst>
+              <a:ext uri="{FF2B5EF4-FFF2-40B4-BE49-F238E27FC236}">
+                <a16:creationId xmlns:a16="http://schemas.microsoft.com/office/drawing/2014/main" id="{DB66C9CD-6BF4-44CA-8078-0BB819080761}"/>
+              </a:ext>
+              <a:ext uri="{C183D7F6-B498-43B3-948B-1728B52AA6E4}">
+                <adec:decorative xmlns:adec="http://schemas.microsoft.com/office/drawing/2017/decorative" val="1"/>
+              </a:ext>
+            </a:extLst>
+          </p:cNvPr>
+          <p:cNvSpPr>
+            <a:spLocks noGrp="1" noRot="1" noChangeAspect="1" noMove="1" noResize="1" noEditPoints="1" noAdjustHandles="1" noChangeArrowheads="1" noChangeShapeType="1" noTextEdit="1"/>
+          </p:cNvSpPr>
+          <p:nvPr>
+            <p:extLst>
+              <p:ext uri="{386F3935-93C4-4BCD-93E2-E3B085C9AB24}">
+                <p16:designElem xmlns:p16="http://schemas.microsoft.com/office/powerpoint/2015/main" val="1"/>
+              </p:ext>
+            </p:extLst>
+          </p:nvPr>
+        </p:nvSpPr>
+        <p:spPr>
+          <a:xfrm>
+            <a:off x="0" y="0"/>
+            <a:ext cx="12192000" cy="6858000"/>
+          </a:xfrm>
+          <a:prstGeom prst="rect">
+            <a:avLst/>
+          </a:prstGeom>
+          <a:ln w="12700" cap="flat" cmpd="sng" algn="ctr">
+            <a:noFill/>
+            <a:prstDash val="solid"/>
+            <a:miter lim="800000"/>
+          </a:ln>
+          <a:effectLst/>
+          <a:extLst>
+            <a:ext uri="{91240B29-F687-4F45-9708-019B960494DF}">
+              <a14:hiddenLine xmlns:a14="http://schemas.microsoft.com/office/drawing/2010/main" w="12700" cap="flat" cmpd="sng" algn="ctr">
+                <a:solidFill>
+                  <a:schemeClr val="accent1">
+                    <a:shade val="50000"/>
+                  </a:schemeClr>
+                </a:solidFill>
+                <a:prstDash val="solid"/>
+                <a:miter lim="800000"/>
+              </a14:hiddenLine>
+            </a:ext>
+          </a:extLst>
+        </p:spPr>
+        <p:style>
+          <a:lnRef idx="2">
+            <a:schemeClr val="accent1">
+              <a:shade val="50000"/>
+            </a:schemeClr>
+          </a:lnRef>
+          <a:fillRef idx="1">
+            <a:schemeClr val="accent1"/>
+          </a:fillRef>
+          <a:effectRef idx="0">
+            <a:schemeClr val="accent1"/>
+          </a:effectRef>
+          <a:fontRef idx="minor">
+            <a:schemeClr val="lt1"/>
+          </a:fontRef>
+        </p:style>
+        <p:txBody>
+          <a:bodyPr rtlCol="0" anchor="ctr"/>
+          <a:lstStyle/>
+          <a:p>
+            <a:pPr algn="ctr"/>
+            <a:endParaRPr lang="en-US" dirty="0"/>
+          </a:p>
+        </p:txBody>
+      </p:sp>
       <p:sp>
         <p:nvSpPr>
           <p:cNvPr id="2" name="Título 1">
@@ -6386,60 +6671,22 @@
             <p:ph type="title"/>
           </p:nvPr>
         </p:nvSpPr>
-        <p:spPr/>
-        <p:txBody>
-          <a:bodyPr/>
+        <p:spPr>
+          <a:xfrm>
+            <a:off x="6663910" y="540033"/>
+            <a:ext cx="4426782" cy="1331604"/>
+          </a:xfrm>
+        </p:spPr>
+        <p:txBody>
+          <a:bodyPr anchor="b">
+            <a:normAutofit/>
+          </a:bodyPr>
           <a:lstStyle/>
           <a:p>
-            <a:r>
-              <a:rPr lang="es-US" dirty="0" err="1"/>
+            <a:pPr algn="ctr"/>
+            <a:r>
+              <a:rPr lang="es-US" dirty="0"/>
               <a:t>Analysis</a:t>
-            </a:r>
-            <a:endParaRPr lang="es-US" dirty="0"/>
-          </a:p>
-        </p:txBody>
-      </p:sp>
-      <p:sp>
-        <p:nvSpPr>
-          <p:cNvPr id="3" name="Marcador de contenido 2">
-            <a:extLst>
-              <a:ext uri="{FF2B5EF4-FFF2-40B4-BE49-F238E27FC236}">
-                <a16:creationId xmlns:a16="http://schemas.microsoft.com/office/drawing/2014/main" id="{1BFEBBCB-B891-AEF2-6582-C3169212B673}"/>
-              </a:ext>
-            </a:extLst>
-          </p:cNvPr>
-          <p:cNvSpPr>
-            <a:spLocks noGrp="1"/>
-          </p:cNvSpPr>
-          <p:nvPr>
-            <p:ph idx="1"/>
-          </p:nvPr>
-        </p:nvSpPr>
-        <p:spPr>
-          <a:xfrm>
-            <a:off x="1079500" y="1790700"/>
-            <a:ext cx="4427220" cy="3978275"/>
-          </a:xfrm>
-        </p:spPr>
-        <p:txBody>
-          <a:bodyPr/>
-          <a:lstStyle/>
-          <a:p>
-            <a:r>
-              <a:rPr lang="es-US" dirty="0"/>
-              <a:t>- 7 of the stocks were shown to be stationary by the Augmented-Dickey Fuller Test</a:t>
-            </a:r>
-          </a:p>
-          <a:p>
-            <a:r>
-              <a:rPr lang="es-US" dirty="0"/>
-              <a:t>- Median duration of continuous movement above the 50-day MA was 5 for all stocks</a:t>
-            </a:r>
-          </a:p>
-          <a:p>
-            <a:r>
-              <a:rPr lang="es-US" dirty="0"/>
-              <a:t>- Trends appear to exist, as seen to the right comparison of MA and raw stock prices</a:t>
             </a:r>
           </a:p>
         </p:txBody>
@@ -6458,7 +6705,7 @@
           </p:cNvPicPr>
           <p:nvPr/>
         </p:nvPicPr>
-        <p:blipFill>
+        <p:blipFill rotWithShape="1">
           <a:blip r:embed="rId2" cstate="print">
             <a:extLst>
               <a:ext uri="{28A0092B-C50C-407E-A947-70E740481C1C}">
@@ -6466,20 +6713,71 @@
               </a:ext>
             </a:extLst>
           </a:blip>
-          <a:stretch>
-            <a:fillRect/>
-          </a:stretch>
+          <a:srcRect t="621"/>
+          <a:stretch/>
         </p:blipFill>
         <p:spPr>
           <a:xfrm>
-            <a:off x="6800394" y="369043"/>
-            <a:ext cx="4811395" cy="3017253"/>
+            <a:off x="540000" y="314799"/>
+            <a:ext cx="4996800" cy="3116034"/>
           </a:xfrm>
           <a:prstGeom prst="rect">
             <a:avLst/>
           </a:prstGeom>
         </p:spPr>
       </p:pic>
+      <p:cxnSp>
+        <p:nvCxnSpPr>
+          <p:cNvPr id="12" name="Straight Connector 11">
+            <a:extLst>
+              <a:ext uri="{FF2B5EF4-FFF2-40B4-BE49-F238E27FC236}">
+                <a16:creationId xmlns:a16="http://schemas.microsoft.com/office/drawing/2014/main" id="{77C6DF49-CBE3-4038-AC78-35DE4FD7CE8E}"/>
+              </a:ext>
+              <a:ext uri="{C183D7F6-B498-43B3-948B-1728B52AA6E4}">
+                <adec:decorative xmlns:adec="http://schemas.microsoft.com/office/drawing/2017/decorative" val="1"/>
+              </a:ext>
+            </a:extLst>
+          </p:cNvPr>
+          <p:cNvCxnSpPr>
+            <a:cxnSpLocks noGrp="1" noRot="1" noChangeAspect="1" noMove="1" noResize="1" noEditPoints="1" noAdjustHandles="1" noChangeArrowheads="1" noChangeShapeType="1"/>
+          </p:cNvCxnSpPr>
+          <p:nvPr>
+            <p:extLst>
+              <p:ext uri="{386F3935-93C4-4BCD-93E2-E3B085C9AB24}">
+                <p16:designElem xmlns:p16="http://schemas.microsoft.com/office/powerpoint/2015/main" val="1"/>
+              </p:ext>
+            </p:extLst>
+          </p:nvPr>
+        </p:nvCxnSpPr>
+        <p:spPr>
+          <a:xfrm>
+            <a:off x="8607300" y="2310207"/>
+            <a:ext cx="540000" cy="0"/>
+          </a:xfrm>
+          <a:prstGeom prst="line">
+            <a:avLst/>
+          </a:prstGeom>
+          <a:ln w="12700">
+            <a:solidFill>
+              <a:schemeClr val="tx1"/>
+            </a:solidFill>
+          </a:ln>
+        </p:spPr>
+        <p:style>
+          <a:lnRef idx="1">
+            <a:schemeClr val="accent1"/>
+          </a:lnRef>
+          <a:fillRef idx="0">
+            <a:schemeClr val="accent1"/>
+          </a:fillRef>
+          <a:effectRef idx="0">
+            <a:schemeClr val="accent1"/>
+          </a:effectRef>
+          <a:fontRef idx="minor">
+            <a:schemeClr val="tx1"/>
+          </a:fontRef>
+        </p:style>
+      </p:cxnSp>
       <p:pic>
         <p:nvPicPr>
           <p:cNvPr id="5" name="Picture 4" descr="Graphical user interface, chart, line chart, histogram&#10;&#10;Description automatically generated">
@@ -6494,7 +6792,7 @@
           </p:cNvPicPr>
           <p:nvPr/>
         </p:nvPicPr>
-        <p:blipFill>
+        <p:blipFill rotWithShape="1">
           <a:blip r:embed="rId3" cstate="print">
             <a:extLst>
               <a:ext uri="{28A0092B-C50C-407E-A947-70E740481C1C}">
@@ -6502,20 +6800,108 @@
               </a:ext>
             </a:extLst>
           </a:blip>
-          <a:stretch>
-            <a:fillRect/>
-          </a:stretch>
+          <a:srcRect b="622"/>
+          <a:stretch/>
         </p:blipFill>
         <p:spPr>
           <a:xfrm>
-            <a:off x="6802755" y="3552825"/>
-            <a:ext cx="4809034" cy="3017253"/>
+            <a:off x="540000" y="3427199"/>
+            <a:ext cx="4996800" cy="3116001"/>
           </a:xfrm>
           <a:prstGeom prst="rect">
             <a:avLst/>
           </a:prstGeom>
         </p:spPr>
       </p:pic>
+      <p:sp>
+        <p:nvSpPr>
+          <p:cNvPr id="3" name="Marcador de contenido 2">
+            <a:extLst>
+              <a:ext uri="{FF2B5EF4-FFF2-40B4-BE49-F238E27FC236}">
+                <a16:creationId xmlns:a16="http://schemas.microsoft.com/office/drawing/2014/main" id="{1BFEBBCB-B891-AEF2-6582-C3169212B673}"/>
+              </a:ext>
+            </a:extLst>
+          </p:cNvPr>
+          <p:cNvSpPr>
+            <a:spLocks noGrp="1"/>
+          </p:cNvSpPr>
+          <p:nvPr>
+            <p:ph idx="1"/>
+          </p:nvPr>
+        </p:nvSpPr>
+        <p:spPr>
+          <a:xfrm>
+            <a:off x="6796765" y="2605738"/>
+            <a:ext cx="4460874" cy="3839827"/>
+          </a:xfrm>
+        </p:spPr>
+        <p:txBody>
+          <a:bodyPr>
+            <a:normAutofit/>
+          </a:bodyPr>
+          <a:lstStyle/>
+          <a:p>
+            <a:pPr>
+              <a:lnSpc>
+                <a:spcPct val="115000"/>
+              </a:lnSpc>
+            </a:pPr>
+            <a:r>
+              <a:rPr lang="es-US" dirty="0">
+                <a:solidFill>
+                  <a:srgbClr val="FFFFFF"/>
+                </a:solidFill>
+              </a:rPr>
+              <a:t>All Medians = 5</a:t>
+            </a:r>
+          </a:p>
+          <a:p>
+            <a:pPr>
+              <a:lnSpc>
+                <a:spcPct val="115000"/>
+              </a:lnSpc>
+            </a:pPr>
+            <a:r>
+              <a:rPr lang="es-US" dirty="0">
+                <a:solidFill>
+                  <a:srgbClr val="FFFFFF"/>
+                </a:solidFill>
+              </a:rPr>
+              <a:t>Largest Mean = 4.55</a:t>
+            </a:r>
+          </a:p>
+          <a:p>
+            <a:pPr>
+              <a:lnSpc>
+                <a:spcPct val="115000"/>
+              </a:lnSpc>
+            </a:pPr>
+            <a:r>
+              <a:rPr lang="es-US" dirty="0">
+                <a:solidFill>
+                  <a:srgbClr val="FFFFFF"/>
+                </a:solidFill>
+              </a:rPr>
+              <a:t>7 of the stocks were shown to be stationary by the Augmented-Dickey Fuller Test  (p &lt; 0.05)</a:t>
+            </a:r>
+          </a:p>
+          <a:p>
+            <a:pPr>
+              <a:lnSpc>
+                <a:spcPct val="115000"/>
+              </a:lnSpc>
+            </a:pPr>
+            <a:r>
+              <a:rPr lang="es-US" dirty="0">
+                <a:solidFill>
+                  <a:srgbClr val="FFFFFF"/>
+                </a:solidFill>
+              </a:rPr>
+              <a:t>Trends appear to exist, as seen to the right comparison of MA and raw stock prices</a:t>
+            </a:r>
+          </a:p>
+        </p:txBody>
+      </p:sp>
     </p:spTree>
     <p:extLst>
       <p:ext uri="{BB962C8B-B14F-4D97-AF65-F5344CB8AC3E}">
@@ -6529,7 +6915,7 @@
 </p:sld>
 </file>
 
-<file path=ppt/slides/slide5.xml><?xml version="1.0" encoding="utf-8"?>
+<file path=ppt/slides/slide6.xml><?xml version="1.0" encoding="utf-8"?>
 <p:sld xmlns:a="http://schemas.openxmlformats.org/drawingml/2006/main" xmlns:r="http://schemas.openxmlformats.org/officeDocument/2006/relationships" xmlns:p="http://schemas.openxmlformats.org/presentationml/2006/main">
   <p:cSld>
     <p:spTree>
@@ -6570,7 +6956,7 @@
           <a:lstStyle/>
           <a:p>
             <a:r>
-              <a:rPr lang="es-US" dirty="0" err="1"/>
+              <a:rPr lang="es-US" dirty="0"/>
               <a:t>Conclusion</a:t>
             </a:r>
             <a:br>
@@ -6602,110 +6988,48 @@
           <a:lstStyle/>
           <a:p>
             <a:r>
-              <a:rPr lang="es-US" dirty="0" err="1"/>
-              <a:t>From</a:t>
-            </a:r>
-            <a:r>
-              <a:rPr lang="es-US" dirty="0"/>
-              <a:t> our analysis, we conclude that the movement of stock prices is </a:t>
-            </a:r>
-            <a:r>
-              <a:rPr lang="es-US" b="1" dirty="0"/>
-              <a:t>not </a:t>
-            </a:r>
-            <a:r>
-              <a:rPr lang="es-US" b="1" dirty="0" err="1"/>
-              <a:t>random</a:t>
-            </a:r>
-            <a:r>
-              <a:rPr lang="es-US" b="1" dirty="0"/>
-              <a:t>.</a:t>
-            </a:r>
-          </a:p>
-          <a:p>
-            <a:r>
-              <a:rPr lang="es-US" b="1" dirty="0" err="1"/>
-              <a:t>The</a:t>
-            </a:r>
-            <a:r>
-              <a:rPr lang="es-US" b="1" dirty="0"/>
-              <a:t> stocks </a:t>
-            </a:r>
-            <a:r>
-              <a:rPr lang="es-US" b="1" dirty="0" err="1"/>
-              <a:t>that</a:t>
-            </a:r>
-            <a:r>
-              <a:rPr lang="es-US" b="1" dirty="0"/>
-              <a:t> </a:t>
-            </a:r>
-            <a:r>
-              <a:rPr lang="es-US" b="1" dirty="0" err="1"/>
-              <a:t>were</a:t>
-            </a:r>
-            <a:r>
-              <a:rPr lang="es-US" b="1" dirty="0"/>
-              <a:t> ”</a:t>
-            </a:r>
-            <a:r>
-              <a:rPr lang="es-US" b="1" dirty="0" err="1"/>
-              <a:t>mathematically</a:t>
-            </a:r>
-            <a:r>
-              <a:rPr lang="es-US" b="1" dirty="0"/>
-              <a:t> </a:t>
-            </a:r>
-            <a:r>
-              <a:rPr lang="es-US" b="1" dirty="0" err="1"/>
-              <a:t>stationary</a:t>
-            </a:r>
-            <a:r>
-              <a:rPr lang="es-US" b="1" dirty="0"/>
-              <a:t>” </a:t>
-            </a:r>
-            <a:r>
-              <a:rPr lang="es-US" b="1" dirty="0" err="1"/>
-              <a:t>did</a:t>
-            </a:r>
-            <a:r>
-              <a:rPr lang="es-US" b="1" dirty="0"/>
-              <a:t> </a:t>
-            </a:r>
-            <a:r>
-              <a:rPr lang="es-US" b="1" dirty="0" err="1"/>
-              <a:t>not</a:t>
-            </a:r>
-            <a:r>
-              <a:rPr lang="es-US" b="1" dirty="0"/>
-              <a:t> </a:t>
-            </a:r>
-            <a:r>
-              <a:rPr lang="es-US" b="1" dirty="0" err="1"/>
-              <a:t>pass</a:t>
-            </a:r>
-            <a:r>
-              <a:rPr lang="es-US" b="1" dirty="0"/>
-              <a:t> </a:t>
-            </a:r>
-            <a:r>
-              <a:rPr lang="es-US" b="1" dirty="0" err="1"/>
-              <a:t>the</a:t>
-            </a:r>
-            <a:r>
-              <a:rPr lang="es-US" b="1" dirty="0"/>
-              <a:t> human </a:t>
-            </a:r>
-            <a:r>
-              <a:rPr lang="es-US" b="1" dirty="0" err="1"/>
-              <a:t>eye</a:t>
-            </a:r>
-            <a:r>
-              <a:rPr lang="es-US" b="1" dirty="0"/>
-              <a:t> test </a:t>
-            </a:r>
-          </a:p>
-          <a:p>
-            <a:endParaRPr lang="es-US" b="1" dirty="0"/>
+              <a:rPr lang="es-US" dirty="0">
+                <a:solidFill>
+                  <a:srgbClr val="FFFFFF"/>
+                </a:solidFill>
+              </a:rPr>
+              <a:t>From our analysis, we conclude that the movement of stock prices is </a:t>
+            </a:r>
+            <a:r>
+              <a:rPr lang="es-US" b="1" dirty="0">
+                <a:solidFill>
+                  <a:srgbClr val="FFFFFF"/>
+                </a:solidFill>
+              </a:rPr>
+              <a:t>not random.</a:t>
+            </a:r>
+          </a:p>
+          <a:p>
+            <a:r>
+              <a:rPr lang="es-US" b="1" dirty="0">
+                <a:solidFill>
+                  <a:srgbClr val="FFFFFF"/>
+                </a:solidFill>
+              </a:rPr>
+              <a:t>The stocks that were ”mathematically stationary” did not pass the human eye test.</a:t>
+            </a:r>
+          </a:p>
+          <a:p>
+            <a:r>
+              <a:rPr lang="es-US" b="1" dirty="0">
+                <a:solidFill>
+                  <a:srgbClr val="FFFFFF"/>
+                </a:solidFill>
+              </a:rPr>
+              <a:t>The industry standard 50-day MA is accurate even down to the minute level. </a:t>
+            </a:r>
+          </a:p>
+          <a:p>
+            <a:endParaRPr lang="es-US" b="1" dirty="0">
+              <a:solidFill>
+                <a:srgbClr val="FFFFFF"/>
+              </a:solidFill>
+            </a:endParaRPr>
           </a:p>
         </p:txBody>
       </p:sp>

--- a/Group1_Nifty500_Presentation.pptx
+++ b/Group1_Nifty500_Presentation.pptx
@@ -276,7 +276,7 @@
           <a:p>
             <a:fld id="{64F0E216-BA48-4F04-AC4F-645AA0DD6AC6}" type="datetimeFigureOut">
               <a:rPr lang="en-US" smtClean="0"/>
-              <a:t>12/8/22</a:t>
+              <a:t>12/9/2022</a:t>
             </a:fld>
             <a:endParaRPr lang="en-US" dirty="0"/>
           </a:p>
@@ -1324,7 +1324,7 @@
           <a:p>
             <a:fld id="{64F0E216-BA48-4F04-AC4F-645AA0DD6AC6}" type="datetimeFigureOut">
               <a:rPr lang="en-US" smtClean="0"/>
-              <a:t>12/8/22</a:t>
+              <a:t>12/9/2022</a:t>
             </a:fld>
             <a:endParaRPr lang="en-US" dirty="0"/>
           </a:p>
@@ -1560,7 +1560,7 @@
           <a:p>
             <a:fld id="{64F0E216-BA48-4F04-AC4F-645AA0DD6AC6}" type="datetimeFigureOut">
               <a:rPr lang="en-US" smtClean="0"/>
-              <a:t>12/8/22</a:t>
+              <a:t>12/9/2022</a:t>
             </a:fld>
             <a:endParaRPr lang="en-US" dirty="0"/>
           </a:p>
@@ -1783,7 +1783,7 @@
           <a:p>
             <a:fld id="{64F0E216-BA48-4F04-AC4F-645AA0DD6AC6}" type="datetimeFigureOut">
               <a:rPr lang="en-US" smtClean="0"/>
-              <a:t>12/8/22</a:t>
+              <a:t>12/9/2022</a:t>
             </a:fld>
             <a:endParaRPr lang="en-US" dirty="0"/>
           </a:p>
@@ -2085,7 +2085,7 @@
           <a:p>
             <a:fld id="{64F0E216-BA48-4F04-AC4F-645AA0DD6AC6}" type="datetimeFigureOut">
               <a:rPr lang="en-US" smtClean="0"/>
-              <a:t>12/8/22</a:t>
+              <a:t>12/9/2022</a:t>
             </a:fld>
             <a:endParaRPr lang="en-US" dirty="0"/>
           </a:p>
@@ -3549,7 +3549,7 @@
           <a:p>
             <a:fld id="{64F0E216-BA48-4F04-AC4F-645AA0DD6AC6}" type="datetimeFigureOut">
               <a:rPr lang="en-US" smtClean="0"/>
-              <a:t>12/8/22</a:t>
+              <a:t>12/9/2022</a:t>
             </a:fld>
             <a:endParaRPr lang="en-US" dirty="0"/>
           </a:p>
@@ -4016,7 +4016,7 @@
           <a:p>
             <a:fld id="{64F0E216-BA48-4F04-AC4F-645AA0DD6AC6}" type="datetimeFigureOut">
               <a:rPr lang="en-US" smtClean="0"/>
-              <a:t>12/8/22</a:t>
+              <a:t>12/9/2022</a:t>
             </a:fld>
             <a:endParaRPr lang="en-US" dirty="0"/>
           </a:p>
@@ -4191,7 +4191,7 @@
           <a:p>
             <a:fld id="{64F0E216-BA48-4F04-AC4F-645AA0DD6AC6}" type="datetimeFigureOut">
               <a:rPr lang="en-US" smtClean="0"/>
-              <a:t>12/8/22</a:t>
+              <a:t>12/9/2022</a:t>
             </a:fld>
             <a:endParaRPr lang="en-US" dirty="0"/>
           </a:p>
@@ -4328,7 +4328,7 @@
           <a:p>
             <a:fld id="{64F0E216-BA48-4F04-AC4F-645AA0DD6AC6}" type="datetimeFigureOut">
               <a:rPr lang="en-US" smtClean="0"/>
-              <a:t>12/8/22</a:t>
+              <a:t>12/9/2022</a:t>
             </a:fld>
             <a:endParaRPr lang="en-US" dirty="0"/>
           </a:p>
@@ -4678,7 +4678,7 @@
           <a:p>
             <a:fld id="{64F0E216-BA48-4F04-AC4F-645AA0DD6AC6}" type="datetimeFigureOut">
               <a:rPr lang="en-US" smtClean="0"/>
-              <a:t>12/8/22</a:t>
+              <a:t>12/9/2022</a:t>
             </a:fld>
             <a:endParaRPr lang="en-US" dirty="0"/>
           </a:p>
@@ -4998,7 +4998,7 @@
           <a:p>
             <a:fld id="{64F0E216-BA48-4F04-AC4F-645AA0DD6AC6}" type="datetimeFigureOut">
               <a:rPr lang="en-US" smtClean="0"/>
-              <a:t>12/8/22</a:t>
+              <a:t>12/9/2022</a:t>
             </a:fld>
             <a:endParaRPr lang="en-US" dirty="0"/>
           </a:p>
@@ -5260,7 +5260,7 @@
             <a:fld id="{64F0E216-BA48-4F04-AC4F-645AA0DD6AC6}" type="datetimeFigureOut">
               <a:rPr lang="en-US" smtClean="0"/>
               <a:pPr/>
-              <a:t>12/8/22</a:t>
+              <a:t>12/9/2022</a:t>
             </a:fld>
             <a:endParaRPr lang="en-US" dirty="0"/>
           </a:p>
@@ -6044,7 +6044,55 @@
                   <a:srgbClr val="FFFFFF"/>
                 </a:solidFill>
               </a:rPr>
-              <a:t>Nifty 100, a set of stocks in India</a:t>
+              <a:t>Nifty 100, a set of stocks in India, </a:t>
+            </a:r>
+            <a:r>
+              <a:rPr lang="es-US" sz="2800" dirty="0" err="1">
+                <a:solidFill>
+                  <a:srgbClr val="FFFFFF"/>
+                </a:solidFill>
+              </a:rPr>
+              <a:t>including</a:t>
+            </a:r>
+            <a:r>
+              <a:rPr lang="es-US" sz="2800" dirty="0">
+                <a:solidFill>
+                  <a:srgbClr val="FFFFFF"/>
+                </a:solidFill>
+              </a:rPr>
+              <a:t> </a:t>
+            </a:r>
+            <a:r>
+              <a:rPr lang="es-US" sz="2800" dirty="0" err="1">
+                <a:solidFill>
+                  <a:srgbClr val="FFFFFF"/>
+                </a:solidFill>
+              </a:rPr>
+              <a:t>the</a:t>
+            </a:r>
+            <a:r>
+              <a:rPr lang="es-US" sz="2800" dirty="0">
+                <a:solidFill>
+                  <a:srgbClr val="FFFFFF"/>
+                </a:solidFill>
+              </a:rPr>
+              <a:t> </a:t>
+            </a:r>
+            <a:r>
+              <a:rPr lang="es-US" sz="2800" dirty="0" err="1">
+                <a:solidFill>
+                  <a:srgbClr val="FFFFFF"/>
+                </a:solidFill>
+              </a:rPr>
+              <a:t>Nifty</a:t>
+            </a:r>
+            <a:r>
+              <a:rPr lang="es-US" sz="2800" dirty="0">
+                <a:solidFill>
+                  <a:srgbClr val="FFFFFF"/>
+                </a:solidFill>
+              </a:rPr>
+              <a:t> 50</a:t>
             </a:r>
           </a:p>
           <a:p>
